--- a/prezentacia.pptx
+++ b/prezentacia.pptx
@@ -9,21 +9,23 @@
     <p:sldId id="257" r:id="rId3"/>
     <p:sldId id="258" r:id="rId4"/>
     <p:sldId id="259" r:id="rId5"/>
-    <p:sldId id="260" r:id="rId6"/>
-    <p:sldId id="262" r:id="rId7"/>
-    <p:sldId id="264" r:id="rId8"/>
-    <p:sldId id="265" r:id="rId9"/>
-    <p:sldId id="273" r:id="rId10"/>
-    <p:sldId id="266" r:id="rId11"/>
-    <p:sldId id="267" r:id="rId12"/>
-    <p:sldId id="274" r:id="rId13"/>
-    <p:sldId id="261" r:id="rId14"/>
-    <p:sldId id="263" r:id="rId15"/>
-    <p:sldId id="268" r:id="rId16"/>
-    <p:sldId id="271" r:id="rId17"/>
-    <p:sldId id="269" r:id="rId18"/>
-    <p:sldId id="272" r:id="rId19"/>
-    <p:sldId id="270" r:id="rId20"/>
+    <p:sldId id="275" r:id="rId6"/>
+    <p:sldId id="276" r:id="rId7"/>
+    <p:sldId id="260" r:id="rId8"/>
+    <p:sldId id="262" r:id="rId9"/>
+    <p:sldId id="264" r:id="rId10"/>
+    <p:sldId id="265" r:id="rId11"/>
+    <p:sldId id="273" r:id="rId12"/>
+    <p:sldId id="266" r:id="rId13"/>
+    <p:sldId id="267" r:id="rId14"/>
+    <p:sldId id="274" r:id="rId15"/>
+    <p:sldId id="261" r:id="rId16"/>
+    <p:sldId id="263" r:id="rId17"/>
+    <p:sldId id="268" r:id="rId18"/>
+    <p:sldId id="271" r:id="rId19"/>
+    <p:sldId id="269" r:id="rId20"/>
+    <p:sldId id="272" r:id="rId21"/>
+    <p:sldId id="270" r:id="rId22"/>
   </p:sldIdLst>
   <p:sldSz cx="9144000" cy="6858000" type="screen4x3"/>
   <p:notesSz cx="6858000" cy="9144000"/>
@@ -3089,56 +3091,32 @@
         <p:spPr/>
         <p:txBody>
           <a:bodyPr>
-            <a:normAutofit fontScale="92500" lnSpcReduction="10000"/>
+            <a:normAutofit/>
           </a:bodyPr>
           <a:lstStyle/>
           <a:p>
             <a:r>
+              <a:rPr lang="sk-SK" dirty="0" smtClean="0"/>
+              <a:t>Rastislav </a:t>
+            </a:r>
+            <a:r>
               <a:rPr lang="sk-SK" dirty="0"/>
-              <a:t>Jakub </a:t>
-            </a:r>
-            <a:r>
-              <a:rPr lang="sk-SK" dirty="0" err="1"/>
-              <a:t>Dobeš</a:t>
-            </a:r>
-            <a:r>
-              <a:rPr lang="sk-SK" dirty="0"/>
-              <a:t> </a:t>
+              <a:t>Kamenický</a:t>
             </a:r>
             <a:br>
               <a:rPr lang="sk-SK" dirty="0"/>
             </a:br>
             <a:r>
               <a:rPr lang="sk-SK" dirty="0"/>
-              <a:t>Rastislav Kamenický</a:t>
+              <a:t>Michal Jarábek</a:t>
             </a:r>
             <a:br>
               <a:rPr lang="sk-SK" dirty="0"/>
             </a:br>
             <a:r>
               <a:rPr lang="sk-SK" dirty="0"/>
-              <a:t>Michal </a:t>
-            </a:r>
-            <a:r>
-              <a:rPr lang="sk-SK" dirty="0" err="1"/>
-              <a:t>Jarábek</a:t>
-            </a:r>
-            <a:r>
-              <a:rPr lang="sk-SK" dirty="0"/>
-              <a:t/>
-            </a:r>
-            <a:br>
-              <a:rPr lang="sk-SK" dirty="0"/>
-            </a:br>
-            <a:r>
-              <a:rPr lang="sk-SK" dirty="0"/>
-              <a:t>Michal </a:t>
-            </a:r>
-            <a:r>
-              <a:rPr lang="sk-SK" dirty="0" err="1"/>
-              <a:t>Piovarči</a:t>
-            </a:r>
-            <a:endParaRPr lang="sk-SK" dirty="0"/>
+              <a:t>Michal Piovarči</a:t>
+            </a:r>
           </a:p>
           <a:p>
             <a:endParaRPr lang="sk-SK" dirty="0"/>
@@ -3159,6 +3137,1648 @@
 </file>
 
 <file path=ppt/slides/slide10.xml><?xml version="1.0" encoding="utf-8"?>
+<p:sld xmlns:a="http://schemas.openxmlformats.org/drawingml/2006/main" xmlns:r="http://schemas.openxmlformats.org/officeDocument/2006/relationships" xmlns:p="http://schemas.openxmlformats.org/presentationml/2006/main">
+  <p:cSld>
+    <p:spTree>
+      <p:nvGrpSpPr>
+        <p:cNvPr id="1" name=""/>
+        <p:cNvGrpSpPr/>
+        <p:nvPr/>
+      </p:nvGrpSpPr>
+      <p:grpSpPr>
+        <a:xfrm>
+          <a:off x="0" y="0"/>
+          <a:ext cx="0" cy="0"/>
+          <a:chOff x="0" y="0"/>
+          <a:chExt cx="0" cy="0"/>
+        </a:xfrm>
+      </p:grpSpPr>
+      <p:sp>
+        <p:nvSpPr>
+          <p:cNvPr id="2" name="Title 1"/>
+          <p:cNvSpPr>
+            <a:spLocks noGrp="1"/>
+          </p:cNvSpPr>
+          <p:nvPr>
+            <p:ph type="title"/>
+          </p:nvPr>
+        </p:nvSpPr>
+        <p:spPr/>
+        <p:txBody>
+          <a:bodyPr/>
+          <a:lstStyle/>
+          <a:p>
+            <a:r>
+              <a:rPr lang="sk-SK" dirty="0"/>
+              <a:t>ROC krivky</a:t>
+            </a:r>
+          </a:p>
+        </p:txBody>
+      </p:sp>
+      <p:sp>
+        <p:nvSpPr>
+          <p:cNvPr id="3" name="Content Placeholder 2"/>
+          <p:cNvSpPr>
+            <a:spLocks noGrp="1"/>
+          </p:cNvSpPr>
+          <p:nvPr>
+            <p:ph idx="1"/>
+          </p:nvPr>
+        </p:nvSpPr>
+        <p:spPr/>
+        <p:txBody>
+          <a:bodyPr/>
+          <a:lstStyle/>
+          <a:p>
+            <a:r>
+              <a:rPr lang="sk-SK" dirty="0"/>
+              <a:t>Neurónové </a:t>
+            </a:r>
+            <a:r>
+              <a:rPr lang="sk-SK" dirty="0" smtClean="0"/>
+              <a:t>siete pre </a:t>
+            </a:r>
+            <a:r>
+              <a:rPr lang="sk-SK" dirty="0"/>
+              <a:t>nálezisko</a:t>
+            </a:r>
+          </a:p>
+          <a:p>
+            <a:endParaRPr lang="sk-SK" dirty="0"/>
+          </a:p>
+        </p:txBody>
+      </p:sp>
+      <p:pic>
+        <p:nvPicPr>
+          <p:cNvPr id="4098" name="Picture 2" descr="C:\Users\Misko\Desktop\RO temp\5valid screeny\NN_23habitat_5valid_PCA.png"/>
+          <p:cNvPicPr>
+            <a:picLocks noChangeAspect="1" noChangeArrowheads="1"/>
+          </p:cNvPicPr>
+          <p:nvPr/>
+        </p:nvPicPr>
+        <p:blipFill>
+          <a:blip r:embed="rId2">
+            <a:extLst>
+              <a:ext uri="{28A0092B-C50C-407E-A947-70E740481C1C}">
+                <a14:useLocalDpi xmlns:a14="http://schemas.microsoft.com/office/drawing/2010/main" val="0"/>
+              </a:ext>
+            </a:extLst>
+          </a:blip>
+          <a:srcRect/>
+          <a:stretch>
+            <a:fillRect/>
+          </a:stretch>
+        </p:blipFill>
+        <p:spPr bwMode="auto">
+          <a:xfrm>
+            <a:off x="467544" y="2787512"/>
+            <a:ext cx="3744417" cy="2951301"/>
+          </a:xfrm>
+          <a:prstGeom prst="rect">
+            <a:avLst/>
+          </a:prstGeom>
+          <a:noFill/>
+          <a:extLst>
+            <a:ext uri="{909E8E84-426E-40DD-AFC4-6F175D3DCCD1}">
+              <a14:hiddenFill xmlns:a14="http://schemas.microsoft.com/office/drawing/2010/main">
+                <a:solidFill>
+                  <a:srgbClr val="FFFFFF"/>
+                </a:solidFill>
+              </a14:hiddenFill>
+            </a:ext>
+          </a:extLst>
+        </p:spPr>
+      </p:pic>
+      <p:pic>
+        <p:nvPicPr>
+          <p:cNvPr id="4099" name="Picture 3" descr="C:\Users\Misko\Desktop\RO temp\5valid screeny\NN_23habitat_5valid_ICA.png"/>
+          <p:cNvPicPr>
+            <a:picLocks noChangeAspect="1" noChangeArrowheads="1"/>
+          </p:cNvPicPr>
+          <p:nvPr/>
+        </p:nvPicPr>
+        <p:blipFill>
+          <a:blip r:embed="rId3">
+            <a:extLst>
+              <a:ext uri="{28A0092B-C50C-407E-A947-70E740481C1C}">
+                <a14:useLocalDpi xmlns:a14="http://schemas.microsoft.com/office/drawing/2010/main" val="0"/>
+              </a:ext>
+            </a:extLst>
+          </a:blip>
+          <a:srcRect/>
+          <a:stretch>
+            <a:fillRect/>
+          </a:stretch>
+        </p:blipFill>
+        <p:spPr bwMode="auto">
+          <a:xfrm>
+            <a:off x="4499991" y="2787512"/>
+            <a:ext cx="3848553" cy="2965153"/>
+          </a:xfrm>
+          <a:prstGeom prst="rect">
+            <a:avLst/>
+          </a:prstGeom>
+          <a:noFill/>
+          <a:extLst>
+            <a:ext uri="{909E8E84-426E-40DD-AFC4-6F175D3DCCD1}">
+              <a14:hiddenFill xmlns:a14="http://schemas.microsoft.com/office/drawing/2010/main">
+                <a:solidFill>
+                  <a:srgbClr val="FFFFFF"/>
+                </a:solidFill>
+              </a14:hiddenFill>
+            </a:ext>
+          </a:extLst>
+        </p:spPr>
+      </p:pic>
+    </p:spTree>
+    <p:extLst>
+      <p:ext uri="{BB962C8B-B14F-4D97-AF65-F5344CB8AC3E}">
+        <p14:creationId xmlns:p14="http://schemas.microsoft.com/office/powerpoint/2010/main" val="4164958327"/>
+      </p:ext>
+    </p:extLst>
+  </p:cSld>
+  <p:clrMapOvr>
+    <a:masterClrMapping/>
+  </p:clrMapOvr>
+</p:sld>
+</file>
+
+<file path=ppt/slides/slide11.xml><?xml version="1.0" encoding="utf-8"?>
+<p:sld xmlns:a="http://schemas.openxmlformats.org/drawingml/2006/main" xmlns:r="http://schemas.openxmlformats.org/officeDocument/2006/relationships" xmlns:p="http://schemas.openxmlformats.org/presentationml/2006/main">
+  <p:cSld>
+    <p:spTree>
+      <p:nvGrpSpPr>
+        <p:cNvPr id="1" name=""/>
+        <p:cNvGrpSpPr/>
+        <p:nvPr/>
+      </p:nvGrpSpPr>
+      <p:grpSpPr>
+        <a:xfrm>
+          <a:off x="0" y="0"/>
+          <a:ext cx="0" cy="0"/>
+          <a:chOff x="0" y="0"/>
+          <a:chExt cx="0" cy="0"/>
+        </a:xfrm>
+      </p:grpSpPr>
+      <p:sp>
+        <p:nvSpPr>
+          <p:cNvPr id="2" name="Title 1"/>
+          <p:cNvSpPr>
+            <a:spLocks noGrp="1"/>
+          </p:cNvSpPr>
+          <p:nvPr>
+            <p:ph type="title"/>
+          </p:nvPr>
+        </p:nvSpPr>
+        <p:spPr/>
+        <p:txBody>
+          <a:bodyPr>
+            <a:normAutofit/>
+          </a:bodyPr>
+          <a:lstStyle/>
+          <a:p>
+            <a:r>
+              <a:rPr lang="sk-SK" sz="3200" dirty="0" smtClean="0"/>
+              <a:t>Confusion matice z</a:t>
+            </a:r>
+            <a:br>
+              <a:rPr lang="sk-SK" sz="3200" dirty="0" smtClean="0"/>
+            </a:br>
+            <a:r>
+              <a:rPr lang="sk-SK" sz="3200" dirty="0" smtClean="0"/>
+              <a:t>neurónových sietí pre jedlosť a nálezisko</a:t>
+            </a:r>
+            <a:endParaRPr lang="sk-SK" sz="3200" dirty="0"/>
+          </a:p>
+        </p:txBody>
+      </p:sp>
+      <p:graphicFrame>
+        <p:nvGraphicFramePr>
+          <p:cNvPr id="6" name="Content Placeholder 5"/>
+          <p:cNvGraphicFramePr>
+            <a:graphicFrameLocks noGrp="1"/>
+          </p:cNvGraphicFramePr>
+          <p:nvPr>
+            <p:ph idx="1"/>
+            <p:extLst>
+              <p:ext uri="{D42A27DB-BD31-4B8C-83A1-F6EECF244321}">
+                <p14:modId xmlns:p14="http://schemas.microsoft.com/office/powerpoint/2010/main" val="479898723"/>
+              </p:ext>
+            </p:extLst>
+          </p:nvPr>
+        </p:nvGraphicFramePr>
+        <p:xfrm>
+          <a:off x="2195736" y="1988840"/>
+          <a:ext cx="4176464" cy="1080120"/>
+        </p:xfrm>
+        <a:graphic>
+          <a:graphicData uri="http://schemas.openxmlformats.org/drawingml/2006/table">
+            <a:tbl>
+              <a:tblPr>
+                <a:tableStyleId>{5C22544A-7EE6-4342-B048-85BDC9FD1C3A}</a:tableStyleId>
+              </a:tblPr>
+              <a:tblGrid>
+                <a:gridCol w="1478624"/>
+                <a:gridCol w="1245157"/>
+                <a:gridCol w="1452683"/>
+              </a:tblGrid>
+              <a:tr h="360040">
+                <a:tc>
+                  <a:txBody>
+                    <a:bodyPr/>
+                    <a:lstStyle/>
+                    <a:p>
+                      <a:pPr algn="l" fontAlgn="b"/>
+                      <a:endParaRPr lang="sk-SK" sz="1600" b="1" i="0" u="none" strike="noStrike" dirty="0">
+                        <a:solidFill>
+                          <a:srgbClr val="000000"/>
+                        </a:solidFill>
+                        <a:effectLst/>
+                        <a:latin typeface="Calibri"/>
+                      </a:endParaRPr>
+                    </a:p>
+                  </a:txBody>
+                  <a:tcPr marL="9525" marR="9525" marT="9525" marB="0" anchor="b"/>
+                </a:tc>
+                <a:tc>
+                  <a:txBody>
+                    <a:bodyPr/>
+                    <a:lstStyle/>
+                    <a:p>
+                      <a:pPr algn="l" fontAlgn="b"/>
+                      <a:r>
+                        <a:rPr lang="sk-SK" sz="1600" b="1" u="none" strike="noStrike">
+                          <a:effectLst/>
+                        </a:rPr>
+                        <a:t>Edible</a:t>
+                      </a:r>
+                      <a:endParaRPr lang="sk-SK" sz="1600" b="1" i="0" u="none" strike="noStrike">
+                        <a:solidFill>
+                          <a:srgbClr val="000000"/>
+                        </a:solidFill>
+                        <a:effectLst/>
+                        <a:latin typeface="Calibri"/>
+                      </a:endParaRPr>
+                    </a:p>
+                  </a:txBody>
+                  <a:tcPr marL="9525" marR="9525" marT="9525" marB="0" anchor="b"/>
+                </a:tc>
+                <a:tc>
+                  <a:txBody>
+                    <a:bodyPr/>
+                    <a:lstStyle/>
+                    <a:p>
+                      <a:pPr algn="l" fontAlgn="b"/>
+                      <a:r>
+                        <a:rPr lang="sk-SK" sz="1600" b="1" u="none" strike="noStrike" dirty="0">
+                          <a:effectLst/>
+                        </a:rPr>
+                        <a:t>Poisonous</a:t>
+                      </a:r>
+                      <a:endParaRPr lang="sk-SK" sz="1600" b="1" i="0" u="none" strike="noStrike" dirty="0">
+                        <a:solidFill>
+                          <a:srgbClr val="000000"/>
+                        </a:solidFill>
+                        <a:effectLst/>
+                        <a:latin typeface="Calibri"/>
+                      </a:endParaRPr>
+                    </a:p>
+                  </a:txBody>
+                  <a:tcPr marL="9525" marR="9525" marT="9525" marB="0" anchor="b"/>
+                </a:tc>
+              </a:tr>
+              <a:tr h="360040">
+                <a:tc>
+                  <a:txBody>
+                    <a:bodyPr/>
+                    <a:lstStyle/>
+                    <a:p>
+                      <a:pPr algn="l" fontAlgn="b"/>
+                      <a:r>
+                        <a:rPr lang="sk-SK" sz="1600" b="1" u="none" strike="noStrike" dirty="0">
+                          <a:effectLst/>
+                        </a:rPr>
+                        <a:t>Edible</a:t>
+                      </a:r>
+                      <a:endParaRPr lang="sk-SK" sz="1600" b="1" i="0" u="none" strike="noStrike" dirty="0">
+                        <a:solidFill>
+                          <a:srgbClr val="000000"/>
+                        </a:solidFill>
+                        <a:effectLst/>
+                        <a:latin typeface="Calibri"/>
+                      </a:endParaRPr>
+                    </a:p>
+                  </a:txBody>
+                  <a:tcPr marL="9525" marR="9525" marT="9525" marB="0" anchor="b"/>
+                </a:tc>
+                <a:tc>
+                  <a:txBody>
+                    <a:bodyPr/>
+                    <a:lstStyle/>
+                    <a:p>
+                      <a:pPr algn="r" fontAlgn="b"/>
+                      <a:r>
+                        <a:rPr lang="sk-SK" sz="1600" u="none" strike="noStrike" dirty="0">
+                          <a:effectLst/>
+                        </a:rPr>
+                        <a:t>741</a:t>
+                      </a:r>
+                      <a:endParaRPr lang="sk-SK" sz="1600" b="0" i="0" u="none" strike="noStrike" dirty="0">
+                        <a:solidFill>
+                          <a:srgbClr val="000000"/>
+                        </a:solidFill>
+                        <a:effectLst/>
+                        <a:latin typeface="Calibri"/>
+                      </a:endParaRPr>
+                    </a:p>
+                  </a:txBody>
+                  <a:tcPr marL="9525" marR="9525" marT="9525" marB="0" anchor="b"/>
+                </a:tc>
+                <a:tc>
+                  <a:txBody>
+                    <a:bodyPr/>
+                    <a:lstStyle/>
+                    <a:p>
+                      <a:pPr algn="r" fontAlgn="b"/>
+                      <a:r>
+                        <a:rPr lang="sk-SK" sz="1600" u="none" strike="noStrike" dirty="0">
+                          <a:effectLst/>
+                        </a:rPr>
+                        <a:t>2</a:t>
+                      </a:r>
+                      <a:endParaRPr lang="sk-SK" sz="1600" b="0" i="0" u="none" strike="noStrike" dirty="0">
+                        <a:solidFill>
+                          <a:srgbClr val="000000"/>
+                        </a:solidFill>
+                        <a:effectLst/>
+                        <a:latin typeface="Calibri"/>
+                      </a:endParaRPr>
+                    </a:p>
+                  </a:txBody>
+                  <a:tcPr marL="9525" marR="9525" marT="9525" marB="0" anchor="b"/>
+                </a:tc>
+              </a:tr>
+              <a:tr h="360040">
+                <a:tc>
+                  <a:txBody>
+                    <a:bodyPr/>
+                    <a:lstStyle/>
+                    <a:p>
+                      <a:pPr algn="l" fontAlgn="b"/>
+                      <a:r>
+                        <a:rPr lang="sk-SK" sz="1600" b="1" u="none" strike="noStrike" dirty="0">
+                          <a:effectLst/>
+                        </a:rPr>
+                        <a:t>Poisonous</a:t>
+                      </a:r>
+                      <a:endParaRPr lang="sk-SK" sz="1600" b="1" i="0" u="none" strike="noStrike" dirty="0">
+                        <a:solidFill>
+                          <a:srgbClr val="000000"/>
+                        </a:solidFill>
+                        <a:effectLst/>
+                        <a:latin typeface="Calibri"/>
+                      </a:endParaRPr>
+                    </a:p>
+                  </a:txBody>
+                  <a:tcPr marL="9525" marR="9525" marT="9525" marB="0" anchor="b"/>
+                </a:tc>
+                <a:tc>
+                  <a:txBody>
+                    <a:bodyPr/>
+                    <a:lstStyle/>
+                    <a:p>
+                      <a:pPr algn="r" fontAlgn="b"/>
+                      <a:r>
+                        <a:rPr lang="sk-SK" sz="1600" u="none" strike="noStrike" dirty="0">
+                          <a:effectLst/>
+                        </a:rPr>
+                        <a:t>12</a:t>
+                      </a:r>
+                      <a:endParaRPr lang="sk-SK" sz="1600" b="0" i="0" u="none" strike="noStrike" dirty="0">
+                        <a:solidFill>
+                          <a:srgbClr val="000000"/>
+                        </a:solidFill>
+                        <a:effectLst/>
+                        <a:latin typeface="Calibri"/>
+                      </a:endParaRPr>
+                    </a:p>
+                  </a:txBody>
+                  <a:tcPr marL="9525" marR="9525" marT="9525" marB="0" anchor="b"/>
+                </a:tc>
+                <a:tc>
+                  <a:txBody>
+                    <a:bodyPr/>
+                    <a:lstStyle/>
+                    <a:p>
+                      <a:pPr algn="r" fontAlgn="b"/>
+                      <a:r>
+                        <a:rPr lang="sk-SK" sz="1600" u="none" strike="noStrike" dirty="0">
+                          <a:effectLst/>
+                        </a:rPr>
+                        <a:t>432</a:t>
+                      </a:r>
+                      <a:endParaRPr lang="sk-SK" sz="1600" b="0" i="0" u="none" strike="noStrike" dirty="0">
+                        <a:solidFill>
+                          <a:srgbClr val="000000"/>
+                        </a:solidFill>
+                        <a:effectLst/>
+                        <a:latin typeface="Calibri"/>
+                      </a:endParaRPr>
+                    </a:p>
+                  </a:txBody>
+                  <a:tcPr marL="9525" marR="9525" marT="9525" marB="0" anchor="b"/>
+                </a:tc>
+              </a:tr>
+            </a:tbl>
+          </a:graphicData>
+        </a:graphic>
+      </p:graphicFrame>
+      <p:graphicFrame>
+        <p:nvGraphicFramePr>
+          <p:cNvPr id="7" name="Table 6"/>
+          <p:cNvGraphicFramePr>
+            <a:graphicFrameLocks noGrp="1"/>
+          </p:cNvGraphicFramePr>
+          <p:nvPr>
+            <p:extLst>
+              <p:ext uri="{D42A27DB-BD31-4B8C-83A1-F6EECF244321}">
+                <p14:modId xmlns:p14="http://schemas.microsoft.com/office/powerpoint/2010/main" val="4191793932"/>
+              </p:ext>
+            </p:extLst>
+          </p:nvPr>
+        </p:nvGraphicFramePr>
+        <p:xfrm>
+          <a:off x="827584" y="3429000"/>
+          <a:ext cx="6768755" cy="2088233"/>
+        </p:xfrm>
+        <a:graphic>
+          <a:graphicData uri="http://schemas.openxmlformats.org/drawingml/2006/table">
+            <a:tbl>
+              <a:tblPr>
+                <a:tableStyleId>{5C22544A-7EE6-4342-B048-85BDC9FD1C3A}</a:tableStyleId>
+              </a:tblPr>
+              <a:tblGrid>
+                <a:gridCol w="966965"/>
+                <a:gridCol w="966965"/>
+                <a:gridCol w="966965"/>
+                <a:gridCol w="966965"/>
+                <a:gridCol w="966965"/>
+                <a:gridCol w="966965"/>
+                <a:gridCol w="966965"/>
+              </a:tblGrid>
+              <a:tr h="298319">
+                <a:tc>
+                  <a:txBody>
+                    <a:bodyPr/>
+                    <a:lstStyle/>
+                    <a:p>
+                      <a:pPr algn="l" fontAlgn="b"/>
+                      <a:endParaRPr lang="sk-SK" sz="1600" b="1" i="0" u="none" strike="noStrike" dirty="0">
+                        <a:solidFill>
+                          <a:srgbClr val="000000"/>
+                        </a:solidFill>
+                        <a:effectLst/>
+                        <a:latin typeface="Calibri"/>
+                      </a:endParaRPr>
+                    </a:p>
+                  </a:txBody>
+                  <a:tcPr marL="9525" marR="9525" marT="9525" marB="0" anchor="b"/>
+                </a:tc>
+                <a:tc>
+                  <a:txBody>
+                    <a:bodyPr/>
+                    <a:lstStyle/>
+                    <a:p>
+                      <a:pPr algn="l" fontAlgn="b"/>
+                      <a:r>
+                        <a:rPr lang="sk-SK" sz="1600" b="1" u="none" strike="noStrike" dirty="0">
+                          <a:effectLst/>
+                        </a:rPr>
+                        <a:t>Trava</a:t>
+                      </a:r>
+                      <a:endParaRPr lang="sk-SK" sz="1600" b="1" i="0" u="none" strike="noStrike" dirty="0">
+                        <a:solidFill>
+                          <a:srgbClr val="000000"/>
+                        </a:solidFill>
+                        <a:effectLst/>
+                        <a:latin typeface="Calibri"/>
+                      </a:endParaRPr>
+                    </a:p>
+                  </a:txBody>
+                  <a:tcPr marL="9525" marR="9525" marT="9525" marB="0" anchor="b"/>
+                </a:tc>
+                <a:tc>
+                  <a:txBody>
+                    <a:bodyPr/>
+                    <a:lstStyle/>
+                    <a:p>
+                      <a:pPr algn="l" fontAlgn="b"/>
+                      <a:r>
+                        <a:rPr lang="sk-SK" sz="1600" b="1" u="none" strike="noStrike" dirty="0">
+                          <a:effectLst/>
+                        </a:rPr>
+                        <a:t>Listie</a:t>
+                      </a:r>
+                      <a:endParaRPr lang="sk-SK" sz="1600" b="1" i="0" u="none" strike="noStrike" dirty="0">
+                        <a:solidFill>
+                          <a:srgbClr val="000000"/>
+                        </a:solidFill>
+                        <a:effectLst/>
+                        <a:latin typeface="Calibri"/>
+                      </a:endParaRPr>
+                    </a:p>
+                  </a:txBody>
+                  <a:tcPr marL="9525" marR="9525" marT="9525" marB="0" anchor="b"/>
+                </a:tc>
+                <a:tc>
+                  <a:txBody>
+                    <a:bodyPr/>
+                    <a:lstStyle/>
+                    <a:p>
+                      <a:pPr algn="l" fontAlgn="b"/>
+                      <a:r>
+                        <a:rPr lang="sk-SK" sz="1600" b="1" u="none" strike="noStrike">
+                          <a:effectLst/>
+                        </a:rPr>
+                        <a:t>Luky</a:t>
+                      </a:r>
+                      <a:endParaRPr lang="sk-SK" sz="1600" b="1" i="0" u="none" strike="noStrike">
+                        <a:solidFill>
+                          <a:srgbClr val="000000"/>
+                        </a:solidFill>
+                        <a:effectLst/>
+                        <a:latin typeface="Calibri"/>
+                      </a:endParaRPr>
+                    </a:p>
+                  </a:txBody>
+                  <a:tcPr marL="9525" marR="9525" marT="9525" marB="0" anchor="b"/>
+                </a:tc>
+                <a:tc>
+                  <a:txBody>
+                    <a:bodyPr/>
+                    <a:lstStyle/>
+                    <a:p>
+                      <a:pPr algn="l" fontAlgn="b"/>
+                      <a:r>
+                        <a:rPr lang="sk-SK" sz="1600" b="1" u="none" strike="noStrike">
+                          <a:effectLst/>
+                        </a:rPr>
+                        <a:t>Cesty</a:t>
+                      </a:r>
+                      <a:endParaRPr lang="sk-SK" sz="1600" b="1" i="0" u="none" strike="noStrike">
+                        <a:solidFill>
+                          <a:srgbClr val="000000"/>
+                        </a:solidFill>
+                        <a:effectLst/>
+                        <a:latin typeface="Calibri"/>
+                      </a:endParaRPr>
+                    </a:p>
+                  </a:txBody>
+                  <a:tcPr marL="9525" marR="9525" marT="9525" marB="0" anchor="b"/>
+                </a:tc>
+                <a:tc>
+                  <a:txBody>
+                    <a:bodyPr/>
+                    <a:lstStyle/>
+                    <a:p>
+                      <a:pPr algn="l" fontAlgn="b"/>
+                      <a:r>
+                        <a:rPr lang="sk-SK" sz="1600" b="1" u="none" strike="noStrike">
+                          <a:effectLst/>
+                        </a:rPr>
+                        <a:t>Mesta</a:t>
+                      </a:r>
+                      <a:endParaRPr lang="sk-SK" sz="1600" b="1" i="0" u="none" strike="noStrike">
+                        <a:solidFill>
+                          <a:srgbClr val="000000"/>
+                        </a:solidFill>
+                        <a:effectLst/>
+                        <a:latin typeface="Calibri"/>
+                      </a:endParaRPr>
+                    </a:p>
+                  </a:txBody>
+                  <a:tcPr marL="9525" marR="9525" marT="9525" marB="0" anchor="b"/>
+                </a:tc>
+                <a:tc>
+                  <a:txBody>
+                    <a:bodyPr/>
+                    <a:lstStyle/>
+                    <a:p>
+                      <a:pPr algn="l" fontAlgn="b"/>
+                      <a:r>
+                        <a:rPr lang="sk-SK" sz="1600" b="1" u="none" strike="noStrike" dirty="0">
+                          <a:effectLst/>
+                        </a:rPr>
+                        <a:t>Lesy</a:t>
+                      </a:r>
+                      <a:endParaRPr lang="sk-SK" sz="1600" b="1" i="0" u="none" strike="noStrike" dirty="0">
+                        <a:solidFill>
+                          <a:srgbClr val="000000"/>
+                        </a:solidFill>
+                        <a:effectLst/>
+                        <a:latin typeface="Calibri"/>
+                      </a:endParaRPr>
+                    </a:p>
+                  </a:txBody>
+                  <a:tcPr marL="9525" marR="9525" marT="9525" marB="0" anchor="b"/>
+                </a:tc>
+              </a:tr>
+              <a:tr h="298319">
+                <a:tc>
+                  <a:txBody>
+                    <a:bodyPr/>
+                    <a:lstStyle/>
+                    <a:p>
+                      <a:pPr algn="l" fontAlgn="b"/>
+                      <a:r>
+                        <a:rPr lang="sk-SK" sz="1600" b="1" u="none" strike="noStrike" dirty="0">
+                          <a:effectLst/>
+                        </a:rPr>
+                        <a:t>Trava</a:t>
+                      </a:r>
+                      <a:endParaRPr lang="sk-SK" sz="1600" b="1" i="0" u="none" strike="noStrike" dirty="0">
+                        <a:solidFill>
+                          <a:srgbClr val="000000"/>
+                        </a:solidFill>
+                        <a:effectLst/>
+                        <a:latin typeface="Calibri"/>
+                      </a:endParaRPr>
+                    </a:p>
+                  </a:txBody>
+                  <a:tcPr marL="9525" marR="9525" marT="9525" marB="0" anchor="b"/>
+                </a:tc>
+                <a:tc>
+                  <a:txBody>
+                    <a:bodyPr/>
+                    <a:lstStyle/>
+                    <a:p>
+                      <a:pPr algn="r" fontAlgn="b"/>
+                      <a:r>
+                        <a:rPr lang="sk-SK" sz="1600" u="none" strike="noStrike">
+                          <a:effectLst/>
+                        </a:rPr>
+                        <a:t>334</a:t>
+                      </a:r>
+                      <a:endParaRPr lang="sk-SK" sz="1600" b="0" i="0" u="none" strike="noStrike">
+                        <a:solidFill>
+                          <a:srgbClr val="000000"/>
+                        </a:solidFill>
+                        <a:effectLst/>
+                        <a:latin typeface="Calibri"/>
+                      </a:endParaRPr>
+                    </a:p>
+                  </a:txBody>
+                  <a:tcPr marL="9525" marR="9525" marT="9525" marB="0" anchor="b"/>
+                </a:tc>
+                <a:tc>
+                  <a:txBody>
+                    <a:bodyPr/>
+                    <a:lstStyle/>
+                    <a:p>
+                      <a:pPr algn="r" fontAlgn="b"/>
+                      <a:r>
+                        <a:rPr lang="sk-SK" sz="1600" u="none" strike="noStrike" dirty="0">
+                          <a:effectLst/>
+                        </a:rPr>
+                        <a:t>0</a:t>
+                      </a:r>
+                      <a:endParaRPr lang="sk-SK" sz="1600" b="0" i="0" u="none" strike="noStrike" dirty="0">
+                        <a:solidFill>
+                          <a:srgbClr val="000000"/>
+                        </a:solidFill>
+                        <a:effectLst/>
+                        <a:latin typeface="Calibri"/>
+                      </a:endParaRPr>
+                    </a:p>
+                  </a:txBody>
+                  <a:tcPr marL="9525" marR="9525" marT="9525" marB="0" anchor="b"/>
+                </a:tc>
+                <a:tc>
+                  <a:txBody>
+                    <a:bodyPr/>
+                    <a:lstStyle/>
+                    <a:p>
+                      <a:pPr algn="r" fontAlgn="b"/>
+                      <a:r>
+                        <a:rPr lang="sk-SK" sz="1600" u="none" strike="noStrike" dirty="0">
+                          <a:effectLst/>
+                        </a:rPr>
+                        <a:t>39</a:t>
+                      </a:r>
+                      <a:endParaRPr lang="sk-SK" sz="1600" b="0" i="0" u="none" strike="noStrike" dirty="0">
+                        <a:solidFill>
+                          <a:srgbClr val="000000"/>
+                        </a:solidFill>
+                        <a:effectLst/>
+                        <a:latin typeface="Calibri"/>
+                      </a:endParaRPr>
+                    </a:p>
+                  </a:txBody>
+                  <a:tcPr marL="9525" marR="9525" marT="9525" marB="0" anchor="b"/>
+                </a:tc>
+                <a:tc>
+                  <a:txBody>
+                    <a:bodyPr/>
+                    <a:lstStyle/>
+                    <a:p>
+                      <a:pPr algn="r" fontAlgn="b"/>
+                      <a:r>
+                        <a:rPr lang="sk-SK" sz="1600" u="none" strike="noStrike" dirty="0">
+                          <a:effectLst/>
+                        </a:rPr>
+                        <a:t>31</a:t>
+                      </a:r>
+                      <a:endParaRPr lang="sk-SK" sz="1600" b="0" i="0" u="none" strike="noStrike" dirty="0">
+                        <a:solidFill>
+                          <a:srgbClr val="000000"/>
+                        </a:solidFill>
+                        <a:effectLst/>
+                        <a:latin typeface="Calibri"/>
+                      </a:endParaRPr>
+                    </a:p>
+                  </a:txBody>
+                  <a:tcPr marL="9525" marR="9525" marT="9525" marB="0" anchor="b"/>
+                </a:tc>
+                <a:tc>
+                  <a:txBody>
+                    <a:bodyPr/>
+                    <a:lstStyle/>
+                    <a:p>
+                      <a:pPr algn="r" fontAlgn="b"/>
+                      <a:r>
+                        <a:rPr lang="sk-SK" sz="1600" u="none" strike="noStrike" dirty="0">
+                          <a:effectLst/>
+                        </a:rPr>
+                        <a:t>69</a:t>
+                      </a:r>
+                      <a:endParaRPr lang="sk-SK" sz="1600" b="0" i="0" u="none" strike="noStrike" dirty="0">
+                        <a:solidFill>
+                          <a:srgbClr val="000000"/>
+                        </a:solidFill>
+                        <a:effectLst/>
+                        <a:latin typeface="Calibri"/>
+                      </a:endParaRPr>
+                    </a:p>
+                  </a:txBody>
+                  <a:tcPr marL="9525" marR="9525" marT="9525" marB="0" anchor="b"/>
+                </a:tc>
+                <a:tc>
+                  <a:txBody>
+                    <a:bodyPr/>
+                    <a:lstStyle/>
+                    <a:p>
+                      <a:pPr algn="r" fontAlgn="b"/>
+                      <a:r>
+                        <a:rPr lang="sk-SK" sz="1600" u="none" strike="noStrike" dirty="0">
+                          <a:effectLst/>
+                        </a:rPr>
+                        <a:t>31</a:t>
+                      </a:r>
+                      <a:endParaRPr lang="sk-SK" sz="1600" b="0" i="0" u="none" strike="noStrike" dirty="0">
+                        <a:solidFill>
+                          <a:srgbClr val="000000"/>
+                        </a:solidFill>
+                        <a:effectLst/>
+                        <a:latin typeface="Calibri"/>
+                      </a:endParaRPr>
+                    </a:p>
+                  </a:txBody>
+                  <a:tcPr marL="9525" marR="9525" marT="9525" marB="0" anchor="b"/>
+                </a:tc>
+              </a:tr>
+              <a:tr h="298319">
+                <a:tc>
+                  <a:txBody>
+                    <a:bodyPr/>
+                    <a:lstStyle/>
+                    <a:p>
+                      <a:pPr algn="l" fontAlgn="b"/>
+                      <a:r>
+                        <a:rPr lang="sk-SK" sz="1600" b="1" u="none" strike="noStrike" dirty="0">
+                          <a:effectLst/>
+                        </a:rPr>
+                        <a:t>Listie</a:t>
+                      </a:r>
+                      <a:endParaRPr lang="sk-SK" sz="1600" b="1" i="0" u="none" strike="noStrike" dirty="0">
+                        <a:solidFill>
+                          <a:srgbClr val="000000"/>
+                        </a:solidFill>
+                        <a:effectLst/>
+                        <a:latin typeface="Calibri"/>
+                      </a:endParaRPr>
+                    </a:p>
+                  </a:txBody>
+                  <a:tcPr marL="9525" marR="9525" marT="9525" marB="0" anchor="b"/>
+                </a:tc>
+                <a:tc>
+                  <a:txBody>
+                    <a:bodyPr/>
+                    <a:lstStyle/>
+                    <a:p>
+                      <a:pPr algn="r" fontAlgn="b"/>
+                      <a:r>
+                        <a:rPr lang="sk-SK" sz="1600" u="none" strike="noStrike">
+                          <a:effectLst/>
+                        </a:rPr>
+                        <a:t>0</a:t>
+                      </a:r>
+                      <a:endParaRPr lang="sk-SK" sz="1600" b="0" i="0" u="none" strike="noStrike">
+                        <a:solidFill>
+                          <a:srgbClr val="000000"/>
+                        </a:solidFill>
+                        <a:effectLst/>
+                        <a:latin typeface="Calibri"/>
+                      </a:endParaRPr>
+                    </a:p>
+                  </a:txBody>
+                  <a:tcPr marL="9525" marR="9525" marT="9525" marB="0" anchor="b"/>
+                </a:tc>
+                <a:tc>
+                  <a:txBody>
+                    <a:bodyPr/>
+                    <a:lstStyle/>
+                    <a:p>
+                      <a:pPr algn="r" fontAlgn="b"/>
+                      <a:r>
+                        <a:rPr lang="sk-SK" sz="1600" u="none" strike="noStrike">
+                          <a:effectLst/>
+                        </a:rPr>
+                        <a:t>18</a:t>
+                      </a:r>
+                      <a:endParaRPr lang="sk-SK" sz="1600" b="0" i="0" u="none" strike="noStrike">
+                        <a:solidFill>
+                          <a:srgbClr val="000000"/>
+                        </a:solidFill>
+                        <a:effectLst/>
+                        <a:latin typeface="Calibri"/>
+                      </a:endParaRPr>
+                    </a:p>
+                  </a:txBody>
+                  <a:tcPr marL="9525" marR="9525" marT="9525" marB="0" anchor="b"/>
+                </a:tc>
+                <a:tc>
+                  <a:txBody>
+                    <a:bodyPr/>
+                    <a:lstStyle/>
+                    <a:p>
+                      <a:pPr algn="r" fontAlgn="b"/>
+                      <a:r>
+                        <a:rPr lang="sk-SK" sz="1600" u="none" strike="noStrike">
+                          <a:effectLst/>
+                        </a:rPr>
+                        <a:t>0</a:t>
+                      </a:r>
+                      <a:endParaRPr lang="sk-SK" sz="1600" b="0" i="0" u="none" strike="noStrike">
+                        <a:solidFill>
+                          <a:srgbClr val="000000"/>
+                        </a:solidFill>
+                        <a:effectLst/>
+                        <a:latin typeface="Calibri"/>
+                      </a:endParaRPr>
+                    </a:p>
+                  </a:txBody>
+                  <a:tcPr marL="9525" marR="9525" marT="9525" marB="0" anchor="b"/>
+                </a:tc>
+                <a:tc>
+                  <a:txBody>
+                    <a:bodyPr/>
+                    <a:lstStyle/>
+                    <a:p>
+                      <a:pPr algn="r" fontAlgn="b"/>
+                      <a:r>
+                        <a:rPr lang="sk-SK" sz="1600" u="none" strike="noStrike" dirty="0">
+                          <a:effectLst/>
+                        </a:rPr>
+                        <a:t>0</a:t>
+                      </a:r>
+                      <a:endParaRPr lang="sk-SK" sz="1600" b="0" i="0" u="none" strike="noStrike" dirty="0">
+                        <a:solidFill>
+                          <a:srgbClr val="000000"/>
+                        </a:solidFill>
+                        <a:effectLst/>
+                        <a:latin typeface="Calibri"/>
+                      </a:endParaRPr>
+                    </a:p>
+                  </a:txBody>
+                  <a:tcPr marL="9525" marR="9525" marT="9525" marB="0" anchor="b"/>
+                </a:tc>
+                <a:tc>
+                  <a:txBody>
+                    <a:bodyPr/>
+                    <a:lstStyle/>
+                    <a:p>
+                      <a:pPr algn="r" fontAlgn="b"/>
+                      <a:r>
+                        <a:rPr lang="sk-SK" sz="1600" u="none" strike="noStrike" dirty="0">
+                          <a:effectLst/>
+                        </a:rPr>
+                        <a:t>3</a:t>
+                      </a:r>
+                      <a:endParaRPr lang="sk-SK" sz="1600" b="0" i="0" u="none" strike="noStrike" dirty="0">
+                        <a:solidFill>
+                          <a:srgbClr val="000000"/>
+                        </a:solidFill>
+                        <a:effectLst/>
+                        <a:latin typeface="Calibri"/>
+                      </a:endParaRPr>
+                    </a:p>
+                  </a:txBody>
+                  <a:tcPr marL="9525" marR="9525" marT="9525" marB="0" anchor="b"/>
+                </a:tc>
+                <a:tc>
+                  <a:txBody>
+                    <a:bodyPr/>
+                    <a:lstStyle/>
+                    <a:p>
+                      <a:pPr algn="r" fontAlgn="b"/>
+                      <a:r>
+                        <a:rPr lang="sk-SK" sz="1600" u="none" strike="noStrike" dirty="0">
+                          <a:effectLst/>
+                        </a:rPr>
+                        <a:t>0</a:t>
+                      </a:r>
+                      <a:endParaRPr lang="sk-SK" sz="1600" b="0" i="0" u="none" strike="noStrike" dirty="0">
+                        <a:solidFill>
+                          <a:srgbClr val="000000"/>
+                        </a:solidFill>
+                        <a:effectLst/>
+                        <a:latin typeface="Calibri"/>
+                      </a:endParaRPr>
+                    </a:p>
+                  </a:txBody>
+                  <a:tcPr marL="9525" marR="9525" marT="9525" marB="0" anchor="b"/>
+                </a:tc>
+              </a:tr>
+              <a:tr h="298319">
+                <a:tc>
+                  <a:txBody>
+                    <a:bodyPr/>
+                    <a:lstStyle/>
+                    <a:p>
+                      <a:pPr algn="l" fontAlgn="b"/>
+                      <a:r>
+                        <a:rPr lang="sk-SK" sz="1600" b="1" u="none" strike="noStrike" dirty="0">
+                          <a:effectLst/>
+                        </a:rPr>
+                        <a:t>Luky</a:t>
+                      </a:r>
+                      <a:endParaRPr lang="sk-SK" sz="1600" b="1" i="0" u="none" strike="noStrike" dirty="0">
+                        <a:solidFill>
+                          <a:srgbClr val="000000"/>
+                        </a:solidFill>
+                        <a:effectLst/>
+                        <a:latin typeface="Calibri"/>
+                      </a:endParaRPr>
+                    </a:p>
+                  </a:txBody>
+                  <a:tcPr marL="9525" marR="9525" marT="9525" marB="0" anchor="b"/>
+                </a:tc>
+                <a:tc>
+                  <a:txBody>
+                    <a:bodyPr/>
+                    <a:lstStyle/>
+                    <a:p>
+                      <a:pPr algn="r" fontAlgn="b"/>
+                      <a:r>
+                        <a:rPr lang="sk-SK" sz="1600" u="none" strike="noStrike">
+                          <a:effectLst/>
+                        </a:rPr>
+                        <a:t>12</a:t>
+                      </a:r>
+                      <a:endParaRPr lang="sk-SK" sz="1600" b="0" i="0" u="none" strike="noStrike">
+                        <a:solidFill>
+                          <a:srgbClr val="000000"/>
+                        </a:solidFill>
+                        <a:effectLst/>
+                        <a:latin typeface="Calibri"/>
+                      </a:endParaRPr>
+                    </a:p>
+                  </a:txBody>
+                  <a:tcPr marL="9525" marR="9525" marT="9525" marB="0" anchor="b"/>
+                </a:tc>
+                <a:tc>
+                  <a:txBody>
+                    <a:bodyPr/>
+                    <a:lstStyle/>
+                    <a:p>
+                      <a:pPr algn="r" fontAlgn="b"/>
+                      <a:r>
+                        <a:rPr lang="sk-SK" sz="1600" u="none" strike="noStrike">
+                          <a:effectLst/>
+                        </a:rPr>
+                        <a:t>0</a:t>
+                      </a:r>
+                      <a:endParaRPr lang="sk-SK" sz="1600" b="0" i="0" u="none" strike="noStrike">
+                        <a:solidFill>
+                          <a:srgbClr val="000000"/>
+                        </a:solidFill>
+                        <a:effectLst/>
+                        <a:latin typeface="Calibri"/>
+                      </a:endParaRPr>
+                    </a:p>
+                  </a:txBody>
+                  <a:tcPr marL="9525" marR="9525" marT="9525" marB="0" anchor="b"/>
+                </a:tc>
+                <a:tc>
+                  <a:txBody>
+                    <a:bodyPr/>
+                    <a:lstStyle/>
+                    <a:p>
+                      <a:pPr algn="r" fontAlgn="b"/>
+                      <a:r>
+                        <a:rPr lang="sk-SK" sz="1600" u="none" strike="noStrike">
+                          <a:effectLst/>
+                        </a:rPr>
+                        <a:t>19</a:t>
+                      </a:r>
+                      <a:endParaRPr lang="sk-SK" sz="1600" b="0" i="0" u="none" strike="noStrike">
+                        <a:solidFill>
+                          <a:srgbClr val="000000"/>
+                        </a:solidFill>
+                        <a:effectLst/>
+                        <a:latin typeface="Calibri"/>
+                      </a:endParaRPr>
+                    </a:p>
+                  </a:txBody>
+                  <a:tcPr marL="9525" marR="9525" marT="9525" marB="0" anchor="b"/>
+                </a:tc>
+                <a:tc>
+                  <a:txBody>
+                    <a:bodyPr/>
+                    <a:lstStyle/>
+                    <a:p>
+                      <a:pPr algn="r" fontAlgn="b"/>
+                      <a:r>
+                        <a:rPr lang="sk-SK" sz="1600" u="none" strike="noStrike">
+                          <a:effectLst/>
+                        </a:rPr>
+                        <a:t>0</a:t>
+                      </a:r>
+                      <a:endParaRPr lang="sk-SK" sz="1600" b="0" i="0" u="none" strike="noStrike">
+                        <a:solidFill>
+                          <a:srgbClr val="000000"/>
+                        </a:solidFill>
+                        <a:effectLst/>
+                        <a:latin typeface="Calibri"/>
+                      </a:endParaRPr>
+                    </a:p>
+                  </a:txBody>
+                  <a:tcPr marL="9525" marR="9525" marT="9525" marB="0" anchor="b"/>
+                </a:tc>
+                <a:tc>
+                  <a:txBody>
+                    <a:bodyPr/>
+                    <a:lstStyle/>
+                    <a:p>
+                      <a:pPr algn="r" fontAlgn="b"/>
+                      <a:r>
+                        <a:rPr lang="sk-SK" sz="1600" u="none" strike="noStrike" dirty="0">
+                          <a:effectLst/>
+                        </a:rPr>
+                        <a:t>0</a:t>
+                      </a:r>
+                      <a:endParaRPr lang="sk-SK" sz="1600" b="0" i="0" u="none" strike="noStrike" dirty="0">
+                        <a:solidFill>
+                          <a:srgbClr val="000000"/>
+                        </a:solidFill>
+                        <a:effectLst/>
+                        <a:latin typeface="Calibri"/>
+                      </a:endParaRPr>
+                    </a:p>
+                  </a:txBody>
+                  <a:tcPr marL="9525" marR="9525" marT="9525" marB="0" anchor="b"/>
+                </a:tc>
+                <a:tc>
+                  <a:txBody>
+                    <a:bodyPr/>
+                    <a:lstStyle/>
+                    <a:p>
+                      <a:pPr algn="r" fontAlgn="b"/>
+                      <a:r>
+                        <a:rPr lang="sk-SK" sz="1600" u="none" strike="noStrike">
+                          <a:effectLst/>
+                        </a:rPr>
+                        <a:t>0</a:t>
+                      </a:r>
+                      <a:endParaRPr lang="sk-SK" sz="1600" b="0" i="0" u="none" strike="noStrike">
+                        <a:solidFill>
+                          <a:srgbClr val="000000"/>
+                        </a:solidFill>
+                        <a:effectLst/>
+                        <a:latin typeface="Calibri"/>
+                      </a:endParaRPr>
+                    </a:p>
+                  </a:txBody>
+                  <a:tcPr marL="9525" marR="9525" marT="9525" marB="0" anchor="b"/>
+                </a:tc>
+              </a:tr>
+              <a:tr h="298319">
+                <a:tc>
+                  <a:txBody>
+                    <a:bodyPr/>
+                    <a:lstStyle/>
+                    <a:p>
+                      <a:pPr algn="l" fontAlgn="b"/>
+                      <a:r>
+                        <a:rPr lang="sk-SK" sz="1600" b="1" u="none" strike="noStrike" dirty="0">
+                          <a:effectLst/>
+                        </a:rPr>
+                        <a:t>Cesty</a:t>
+                      </a:r>
+                      <a:endParaRPr lang="sk-SK" sz="1600" b="1" i="0" u="none" strike="noStrike" dirty="0">
+                        <a:solidFill>
+                          <a:srgbClr val="000000"/>
+                        </a:solidFill>
+                        <a:effectLst/>
+                        <a:latin typeface="Calibri"/>
+                      </a:endParaRPr>
+                    </a:p>
+                  </a:txBody>
+                  <a:tcPr marL="9525" marR="9525" marT="9525" marB="0" anchor="b"/>
+                </a:tc>
+                <a:tc>
+                  <a:txBody>
+                    <a:bodyPr/>
+                    <a:lstStyle/>
+                    <a:p>
+                      <a:pPr algn="r" fontAlgn="b"/>
+                      <a:r>
+                        <a:rPr lang="sk-SK" sz="1600" u="none" strike="noStrike">
+                          <a:effectLst/>
+                        </a:rPr>
+                        <a:t>24</a:t>
+                      </a:r>
+                      <a:endParaRPr lang="sk-SK" sz="1600" b="0" i="0" u="none" strike="noStrike">
+                        <a:solidFill>
+                          <a:srgbClr val="000000"/>
+                        </a:solidFill>
+                        <a:effectLst/>
+                        <a:latin typeface="Calibri"/>
+                      </a:endParaRPr>
+                    </a:p>
+                  </a:txBody>
+                  <a:tcPr marL="9525" marR="9525" marT="9525" marB="0" anchor="b"/>
+                </a:tc>
+                <a:tc>
+                  <a:txBody>
+                    <a:bodyPr/>
+                    <a:lstStyle/>
+                    <a:p>
+                      <a:pPr algn="r" fontAlgn="b"/>
+                      <a:r>
+                        <a:rPr lang="sk-SK" sz="1600" u="none" strike="noStrike">
+                          <a:effectLst/>
+                        </a:rPr>
+                        <a:t>0</a:t>
+                      </a:r>
+                      <a:endParaRPr lang="sk-SK" sz="1600" b="0" i="0" u="none" strike="noStrike">
+                        <a:solidFill>
+                          <a:srgbClr val="000000"/>
+                        </a:solidFill>
+                        <a:effectLst/>
+                        <a:latin typeface="Calibri"/>
+                      </a:endParaRPr>
+                    </a:p>
+                  </a:txBody>
+                  <a:tcPr marL="9525" marR="9525" marT="9525" marB="0" anchor="b"/>
+                </a:tc>
+                <a:tc>
+                  <a:txBody>
+                    <a:bodyPr/>
+                    <a:lstStyle/>
+                    <a:p>
+                      <a:pPr algn="r" fontAlgn="b"/>
+                      <a:r>
+                        <a:rPr lang="sk-SK" sz="1600" u="none" strike="noStrike">
+                          <a:effectLst/>
+                        </a:rPr>
+                        <a:t>0</a:t>
+                      </a:r>
+                      <a:endParaRPr lang="sk-SK" sz="1600" b="0" i="0" u="none" strike="noStrike">
+                        <a:solidFill>
+                          <a:srgbClr val="000000"/>
+                        </a:solidFill>
+                        <a:effectLst/>
+                        <a:latin typeface="Calibri"/>
+                      </a:endParaRPr>
+                    </a:p>
+                  </a:txBody>
+                  <a:tcPr marL="9525" marR="9525" marT="9525" marB="0" anchor="b"/>
+                </a:tc>
+                <a:tc>
+                  <a:txBody>
+                    <a:bodyPr/>
+                    <a:lstStyle/>
+                    <a:p>
+                      <a:pPr algn="r" fontAlgn="b"/>
+                      <a:r>
+                        <a:rPr lang="sk-SK" sz="1600" u="none" strike="noStrike">
+                          <a:effectLst/>
+                        </a:rPr>
+                        <a:t>22</a:t>
+                      </a:r>
+                      <a:endParaRPr lang="sk-SK" sz="1600" b="0" i="0" u="none" strike="noStrike">
+                        <a:solidFill>
+                          <a:srgbClr val="000000"/>
+                        </a:solidFill>
+                        <a:effectLst/>
+                        <a:latin typeface="Calibri"/>
+                      </a:endParaRPr>
+                    </a:p>
+                  </a:txBody>
+                  <a:tcPr marL="9525" marR="9525" marT="9525" marB="0" anchor="b"/>
+                </a:tc>
+                <a:tc>
+                  <a:txBody>
+                    <a:bodyPr/>
+                    <a:lstStyle/>
+                    <a:p>
+                      <a:pPr algn="r" fontAlgn="b"/>
+                      <a:r>
+                        <a:rPr lang="sk-SK" sz="1600" u="none" strike="noStrike">
+                          <a:effectLst/>
+                        </a:rPr>
+                        <a:t>0</a:t>
+                      </a:r>
+                      <a:endParaRPr lang="sk-SK" sz="1600" b="0" i="0" u="none" strike="noStrike">
+                        <a:solidFill>
+                          <a:srgbClr val="000000"/>
+                        </a:solidFill>
+                        <a:effectLst/>
+                        <a:latin typeface="Calibri"/>
+                      </a:endParaRPr>
+                    </a:p>
+                  </a:txBody>
+                  <a:tcPr marL="9525" marR="9525" marT="9525" marB="0" anchor="b"/>
+                </a:tc>
+                <a:tc>
+                  <a:txBody>
+                    <a:bodyPr/>
+                    <a:lstStyle/>
+                    <a:p>
+                      <a:pPr algn="r" fontAlgn="b"/>
+                      <a:r>
+                        <a:rPr lang="sk-SK" sz="1600" u="none" strike="noStrike">
+                          <a:effectLst/>
+                        </a:rPr>
+                        <a:t>6</a:t>
+                      </a:r>
+                      <a:endParaRPr lang="sk-SK" sz="1600" b="0" i="0" u="none" strike="noStrike">
+                        <a:solidFill>
+                          <a:srgbClr val="000000"/>
+                        </a:solidFill>
+                        <a:effectLst/>
+                        <a:latin typeface="Calibri"/>
+                      </a:endParaRPr>
+                    </a:p>
+                  </a:txBody>
+                  <a:tcPr marL="9525" marR="9525" marT="9525" marB="0" anchor="b"/>
+                </a:tc>
+              </a:tr>
+              <a:tr h="298319">
+                <a:tc>
+                  <a:txBody>
+                    <a:bodyPr/>
+                    <a:lstStyle/>
+                    <a:p>
+                      <a:pPr algn="l" fontAlgn="b"/>
+                      <a:r>
+                        <a:rPr lang="sk-SK" sz="1600" b="1" u="none" strike="noStrike" dirty="0">
+                          <a:effectLst/>
+                        </a:rPr>
+                        <a:t>Mesta</a:t>
+                      </a:r>
+                      <a:endParaRPr lang="sk-SK" sz="1600" b="1" i="0" u="none" strike="noStrike" dirty="0">
+                        <a:solidFill>
+                          <a:srgbClr val="000000"/>
+                        </a:solidFill>
+                        <a:effectLst/>
+                        <a:latin typeface="Calibri"/>
+                      </a:endParaRPr>
+                    </a:p>
+                  </a:txBody>
+                  <a:tcPr marL="9525" marR="9525" marT="9525" marB="0" anchor="b"/>
+                </a:tc>
+                <a:tc>
+                  <a:txBody>
+                    <a:bodyPr/>
+                    <a:lstStyle/>
+                    <a:p>
+                      <a:pPr algn="r" fontAlgn="b"/>
+                      <a:r>
+                        <a:rPr lang="sk-SK" sz="1600" u="none" strike="noStrike">
+                          <a:effectLst/>
+                        </a:rPr>
+                        <a:t>0</a:t>
+                      </a:r>
+                      <a:endParaRPr lang="sk-SK" sz="1600" b="0" i="0" u="none" strike="noStrike">
+                        <a:solidFill>
+                          <a:srgbClr val="000000"/>
+                        </a:solidFill>
+                        <a:effectLst/>
+                        <a:latin typeface="Calibri"/>
+                      </a:endParaRPr>
+                    </a:p>
+                  </a:txBody>
+                  <a:tcPr marL="9525" marR="9525" marT="9525" marB="0" anchor="b"/>
+                </a:tc>
+                <a:tc>
+                  <a:txBody>
+                    <a:bodyPr/>
+                    <a:lstStyle/>
+                    <a:p>
+                      <a:pPr algn="r" fontAlgn="b"/>
+                      <a:r>
+                        <a:rPr lang="sk-SK" sz="1600" u="none" strike="noStrike">
+                          <a:effectLst/>
+                        </a:rPr>
+                        <a:t>0</a:t>
+                      </a:r>
+                      <a:endParaRPr lang="sk-SK" sz="1600" b="0" i="0" u="none" strike="noStrike">
+                        <a:solidFill>
+                          <a:srgbClr val="000000"/>
+                        </a:solidFill>
+                        <a:effectLst/>
+                        <a:latin typeface="Calibri"/>
+                      </a:endParaRPr>
+                    </a:p>
+                  </a:txBody>
+                  <a:tcPr marL="9525" marR="9525" marT="9525" marB="0" anchor="b"/>
+                </a:tc>
+                <a:tc>
+                  <a:txBody>
+                    <a:bodyPr/>
+                    <a:lstStyle/>
+                    <a:p>
+                      <a:pPr algn="r" fontAlgn="b"/>
+                      <a:r>
+                        <a:rPr lang="sk-SK" sz="1600" u="none" strike="noStrike">
+                          <a:effectLst/>
+                        </a:rPr>
+                        <a:t>0</a:t>
+                      </a:r>
+                      <a:endParaRPr lang="sk-SK" sz="1600" b="0" i="0" u="none" strike="noStrike">
+                        <a:solidFill>
+                          <a:srgbClr val="000000"/>
+                        </a:solidFill>
+                        <a:effectLst/>
+                        <a:latin typeface="Calibri"/>
+                      </a:endParaRPr>
+                    </a:p>
+                  </a:txBody>
+                  <a:tcPr marL="9525" marR="9525" marT="9525" marB="0" anchor="b"/>
+                </a:tc>
+                <a:tc>
+                  <a:txBody>
+                    <a:bodyPr/>
+                    <a:lstStyle/>
+                    <a:p>
+                      <a:pPr algn="r" fontAlgn="b"/>
+                      <a:r>
+                        <a:rPr lang="sk-SK" sz="1600" u="none" strike="noStrike">
+                          <a:effectLst/>
+                        </a:rPr>
+                        <a:t>0</a:t>
+                      </a:r>
+                      <a:endParaRPr lang="sk-SK" sz="1600" b="0" i="0" u="none" strike="noStrike">
+                        <a:solidFill>
+                          <a:srgbClr val="000000"/>
+                        </a:solidFill>
+                        <a:effectLst/>
+                        <a:latin typeface="Calibri"/>
+                      </a:endParaRPr>
+                    </a:p>
+                  </a:txBody>
+                  <a:tcPr marL="9525" marR="9525" marT="9525" marB="0" anchor="b"/>
+                </a:tc>
+                <a:tc>
+                  <a:txBody>
+                    <a:bodyPr/>
+                    <a:lstStyle/>
+                    <a:p>
+                      <a:pPr algn="r" fontAlgn="b"/>
+                      <a:r>
+                        <a:rPr lang="sk-SK" sz="1600" u="none" strike="noStrike">
+                          <a:effectLst/>
+                        </a:rPr>
+                        <a:t>0</a:t>
+                      </a:r>
+                      <a:endParaRPr lang="sk-SK" sz="1600" b="0" i="0" u="none" strike="noStrike">
+                        <a:solidFill>
+                          <a:srgbClr val="000000"/>
+                        </a:solidFill>
+                        <a:effectLst/>
+                        <a:latin typeface="Calibri"/>
+                      </a:endParaRPr>
+                    </a:p>
+                  </a:txBody>
+                  <a:tcPr marL="9525" marR="9525" marT="9525" marB="0" anchor="b"/>
+                </a:tc>
+                <a:tc>
+                  <a:txBody>
+                    <a:bodyPr/>
+                    <a:lstStyle/>
+                    <a:p>
+                      <a:pPr algn="r" fontAlgn="b"/>
+                      <a:r>
+                        <a:rPr lang="sk-SK" sz="1600" u="none" strike="noStrike">
+                          <a:effectLst/>
+                        </a:rPr>
+                        <a:t>0</a:t>
+                      </a:r>
+                      <a:endParaRPr lang="sk-SK" sz="1600" b="0" i="0" u="none" strike="noStrike">
+                        <a:solidFill>
+                          <a:srgbClr val="000000"/>
+                        </a:solidFill>
+                        <a:effectLst/>
+                        <a:latin typeface="Calibri"/>
+                      </a:endParaRPr>
+                    </a:p>
+                  </a:txBody>
+                  <a:tcPr marL="9525" marR="9525" marT="9525" marB="0" anchor="b"/>
+                </a:tc>
+              </a:tr>
+              <a:tr h="298319">
+                <a:tc>
+                  <a:txBody>
+                    <a:bodyPr/>
+                    <a:lstStyle/>
+                    <a:p>
+                      <a:pPr algn="l" fontAlgn="b"/>
+                      <a:r>
+                        <a:rPr lang="sk-SK" sz="1600" b="1" u="none" strike="noStrike" dirty="0">
+                          <a:effectLst/>
+                        </a:rPr>
+                        <a:t>Lesy</a:t>
+                      </a:r>
+                      <a:endParaRPr lang="sk-SK" sz="1600" b="1" i="0" u="none" strike="noStrike" dirty="0">
+                        <a:solidFill>
+                          <a:srgbClr val="000000"/>
+                        </a:solidFill>
+                        <a:effectLst/>
+                        <a:latin typeface="Calibri"/>
+                      </a:endParaRPr>
+                    </a:p>
+                  </a:txBody>
+                  <a:tcPr marL="9525" marR="9525" marT="9525" marB="0" anchor="b"/>
+                </a:tc>
+                <a:tc>
+                  <a:txBody>
+                    <a:bodyPr/>
+                    <a:lstStyle/>
+                    <a:p>
+                      <a:pPr algn="r" fontAlgn="b"/>
+                      <a:r>
+                        <a:rPr lang="sk-SK" sz="1600" u="none" strike="noStrike">
+                          <a:effectLst/>
+                        </a:rPr>
+                        <a:t>54</a:t>
+                      </a:r>
+                      <a:endParaRPr lang="sk-SK" sz="1600" b="0" i="0" u="none" strike="noStrike">
+                        <a:solidFill>
+                          <a:srgbClr val="000000"/>
+                        </a:solidFill>
+                        <a:effectLst/>
+                        <a:latin typeface="Calibri"/>
+                      </a:endParaRPr>
+                    </a:p>
+                  </a:txBody>
+                  <a:tcPr marL="9525" marR="9525" marT="9525" marB="0" anchor="b"/>
+                </a:tc>
+                <a:tc>
+                  <a:txBody>
+                    <a:bodyPr/>
+                    <a:lstStyle/>
+                    <a:p>
+                      <a:pPr algn="r" fontAlgn="b"/>
+                      <a:r>
+                        <a:rPr lang="sk-SK" sz="1600" u="none" strike="noStrike">
+                          <a:effectLst/>
+                        </a:rPr>
+                        <a:t>0</a:t>
+                      </a:r>
+                      <a:endParaRPr lang="sk-SK" sz="1600" b="0" i="0" u="none" strike="noStrike">
+                        <a:solidFill>
+                          <a:srgbClr val="000000"/>
+                        </a:solidFill>
+                        <a:effectLst/>
+                        <a:latin typeface="Calibri"/>
+                      </a:endParaRPr>
+                    </a:p>
+                  </a:txBody>
+                  <a:tcPr marL="9525" marR="9525" marT="9525" marB="0" anchor="b"/>
+                </a:tc>
+                <a:tc>
+                  <a:txBody>
+                    <a:bodyPr/>
+                    <a:lstStyle/>
+                    <a:p>
+                      <a:pPr algn="r" fontAlgn="b"/>
+                      <a:r>
+                        <a:rPr lang="sk-SK" sz="1600" u="none" strike="noStrike">
+                          <a:effectLst/>
+                        </a:rPr>
+                        <a:t>0</a:t>
+                      </a:r>
+                      <a:endParaRPr lang="sk-SK" sz="1600" b="0" i="0" u="none" strike="noStrike">
+                        <a:solidFill>
+                          <a:srgbClr val="000000"/>
+                        </a:solidFill>
+                        <a:effectLst/>
+                        <a:latin typeface="Calibri"/>
+                      </a:endParaRPr>
+                    </a:p>
+                  </a:txBody>
+                  <a:tcPr marL="9525" marR="9525" marT="9525" marB="0" anchor="b"/>
+                </a:tc>
+                <a:tc>
+                  <a:txBody>
+                    <a:bodyPr/>
+                    <a:lstStyle/>
+                    <a:p>
+                      <a:pPr algn="r" fontAlgn="b"/>
+                      <a:r>
+                        <a:rPr lang="sk-SK" sz="1600" u="none" strike="noStrike">
+                          <a:effectLst/>
+                        </a:rPr>
+                        <a:t>61</a:t>
+                      </a:r>
+                      <a:endParaRPr lang="sk-SK" sz="1600" b="0" i="0" u="none" strike="noStrike">
+                        <a:solidFill>
+                          <a:srgbClr val="000000"/>
+                        </a:solidFill>
+                        <a:effectLst/>
+                        <a:latin typeface="Calibri"/>
+                      </a:endParaRPr>
+                    </a:p>
+                  </a:txBody>
+                  <a:tcPr marL="9525" marR="9525" marT="9525" marB="0" anchor="b"/>
+                </a:tc>
+                <a:tc>
+                  <a:txBody>
+                    <a:bodyPr/>
+                    <a:lstStyle/>
+                    <a:p>
+                      <a:pPr algn="r" fontAlgn="b"/>
+                      <a:r>
+                        <a:rPr lang="sk-SK" sz="1600" u="none" strike="noStrike">
+                          <a:effectLst/>
+                        </a:rPr>
+                        <a:t>1</a:t>
+                      </a:r>
+                      <a:endParaRPr lang="sk-SK" sz="1600" b="0" i="0" u="none" strike="noStrike">
+                        <a:solidFill>
+                          <a:srgbClr val="000000"/>
+                        </a:solidFill>
+                        <a:effectLst/>
+                        <a:latin typeface="Calibri"/>
+                      </a:endParaRPr>
+                    </a:p>
+                  </a:txBody>
+                  <a:tcPr marL="9525" marR="9525" marT="9525" marB="0" anchor="b"/>
+                </a:tc>
+                <a:tc>
+                  <a:txBody>
+                    <a:bodyPr/>
+                    <a:lstStyle/>
+                    <a:p>
+                      <a:pPr algn="r" fontAlgn="b"/>
+                      <a:r>
+                        <a:rPr lang="sk-SK" sz="1600" u="none" strike="noStrike" dirty="0">
+                          <a:effectLst/>
+                        </a:rPr>
+                        <a:t>463</a:t>
+                      </a:r>
+                      <a:endParaRPr lang="sk-SK" sz="1600" b="0" i="0" u="none" strike="noStrike" dirty="0">
+                        <a:solidFill>
+                          <a:srgbClr val="000000"/>
+                        </a:solidFill>
+                        <a:effectLst/>
+                        <a:latin typeface="Calibri"/>
+                      </a:endParaRPr>
+                    </a:p>
+                  </a:txBody>
+                  <a:tcPr marL="9525" marR="9525" marT="9525" marB="0" anchor="b"/>
+                </a:tc>
+              </a:tr>
+            </a:tbl>
+          </a:graphicData>
+        </a:graphic>
+      </p:graphicFrame>
+    </p:spTree>
+    <p:extLst>
+      <p:ext uri="{BB962C8B-B14F-4D97-AF65-F5344CB8AC3E}">
+        <p14:creationId xmlns:p14="http://schemas.microsoft.com/office/powerpoint/2010/main" val="2215093662"/>
+      </p:ext>
+    </p:extLst>
+  </p:cSld>
+  <p:clrMapOvr>
+    <a:masterClrMapping/>
+  </p:clrMapOvr>
+</p:sld>
+</file>
+
+<file path=ppt/slides/slide12.xml><?xml version="1.0" encoding="utf-8"?>
 <p:sld xmlns:a="http://schemas.openxmlformats.org/drawingml/2006/main" xmlns:r="http://schemas.openxmlformats.org/officeDocument/2006/relationships" xmlns:p="http://schemas.openxmlformats.org/presentationml/2006/main">
   <p:cSld>
     <p:spTree>
@@ -3321,7 +4941,7 @@
 </p:sld>
 </file>
 
-<file path=ppt/slides/slide11.xml><?xml version="1.0" encoding="utf-8"?>
+<file path=ppt/slides/slide13.xml><?xml version="1.0" encoding="utf-8"?>
 <p:sld xmlns:a="http://schemas.openxmlformats.org/drawingml/2006/main" xmlns:r="http://schemas.openxmlformats.org/officeDocument/2006/relationships" xmlns:p="http://schemas.openxmlformats.org/presentationml/2006/main">
   <p:cSld>
     <p:spTree>
@@ -3484,7 +5104,7 @@
 </p:sld>
 </file>
 
-<file path=ppt/slides/slide12.xml><?xml version="1.0" encoding="utf-8"?>
+<file path=ppt/slides/slide14.xml><?xml version="1.0" encoding="utf-8"?>
 <p:sld xmlns:a="http://schemas.openxmlformats.org/drawingml/2006/main" xmlns:r="http://schemas.openxmlformats.org/officeDocument/2006/relationships" xmlns:p="http://schemas.openxmlformats.org/presentationml/2006/main">
   <p:cSld>
     <p:spTree>
@@ -3527,7 +5147,7 @@
             </a:br>
             <a:r>
               <a:rPr lang="sk-SK" dirty="0" smtClean="0"/>
-              <a:t>SOM jedlosť </a:t>
+              <a:t>SOM pre jedlosť </a:t>
             </a:r>
             <a:r>
               <a:rPr lang="sk-SK" dirty="0"/>
@@ -4962,7 +6582,7 @@
 </p:sld>
 </file>
 
-<file path=ppt/slides/slide13.xml><?xml version="1.0" encoding="utf-8"?>
+<file path=ppt/slides/slide15.xml><?xml version="1.0" encoding="utf-8"?>
 <p:sld xmlns:a="http://schemas.openxmlformats.org/drawingml/2006/main" xmlns:r="http://schemas.openxmlformats.org/officeDocument/2006/relationships" xmlns:p="http://schemas.openxmlformats.org/presentationml/2006/main">
   <p:cSld>
     <p:spTree>
@@ -5128,7 +6748,7 @@
 </p:sld>
 </file>
 
-<file path=ppt/slides/slide14.xml><?xml version="1.0" encoding="utf-8"?>
+<file path=ppt/slides/slide16.xml><?xml version="1.0" encoding="utf-8"?>
 <p:sld xmlns:a="http://schemas.openxmlformats.org/drawingml/2006/main" xmlns:r="http://schemas.openxmlformats.org/officeDocument/2006/relationships" xmlns:p="http://schemas.openxmlformats.org/presentationml/2006/main">
   <p:cSld>
     <p:spTree>
@@ -5297,7 +6917,7 @@
 </p:sld>
 </file>
 
-<file path=ppt/slides/slide15.xml><?xml version="1.0" encoding="utf-8"?>
+<file path=ppt/slides/slide17.xml><?xml version="1.0" encoding="utf-8"?>
 <p:sld xmlns:a="http://schemas.openxmlformats.org/drawingml/2006/main" xmlns:r="http://schemas.openxmlformats.org/officeDocument/2006/relationships" xmlns:p="http://schemas.openxmlformats.org/presentationml/2006/main">
   <p:cSld>
     <p:spTree>
@@ -5464,7 +7084,7 @@
 </p:sld>
 </file>
 
-<file path=ppt/slides/slide16.xml><?xml version="1.0" encoding="utf-8"?>
+<file path=ppt/slides/slide18.xml><?xml version="1.0" encoding="utf-8"?>
 <p:sld xmlns:a="http://schemas.openxmlformats.org/drawingml/2006/main" xmlns:r="http://schemas.openxmlformats.org/officeDocument/2006/relationships" xmlns:p="http://schemas.openxmlformats.org/presentationml/2006/main">
   <p:cSld>
     <p:spTree>
@@ -5515,6 +7135,15 @@
         <p:blipFill>
           <a:blip r:embed="rId2">
             <a:extLst>
+              <a:ext uri="{BEBA8EAE-BF5A-486C-A8C5-ECC9F3942E4B}">
+                <a14:imgProps xmlns:a14="http://schemas.microsoft.com/office/drawing/2010/main">
+                  <a14:imgLayer r:embed="rId3">
+                    <a14:imgEffect>
+                      <a14:brightnessContrast bright="20000" contrast="-40000"/>
+                    </a14:imgEffect>
+                  </a14:imgLayer>
+                </a14:imgProps>
+              </a:ext>
               <a:ext uri="{28A0092B-C50C-407E-A947-70E740481C1C}">
                 <a14:useLocalDpi xmlns:a14="http://schemas.microsoft.com/office/drawing/2010/main" val="0"/>
               </a:ext>
@@ -5526,8 +7155,8 @@
         </p:blipFill>
         <p:spPr>
           <a:xfrm>
-            <a:off x="683568" y="1287621"/>
-            <a:ext cx="7922031" cy="5184576"/>
+            <a:off x="764139" y="1112905"/>
+            <a:ext cx="7615723" cy="5435058"/>
           </a:xfrm>
           <a:prstGeom prst="rect">
             <a:avLst/>
@@ -5547,7 +7176,7 @@
 </p:sld>
 </file>
 
-<file path=ppt/slides/slide17.xml><?xml version="1.0" encoding="utf-8"?>
+<file path=ppt/slides/slide19.xml><?xml version="1.0" encoding="utf-8"?>
 <p:sld xmlns:a="http://schemas.openxmlformats.org/drawingml/2006/main" xmlns:r="http://schemas.openxmlformats.org/officeDocument/2006/relationships" xmlns:p="http://schemas.openxmlformats.org/presentationml/2006/main">
   <p:cSld>
     <p:spTree>
@@ -5714,7 +7343,7 @@
 </p:sld>
 </file>
 
-<file path=ppt/slides/slide18.xml><?xml version="1.0" encoding="utf-8"?>
+<file path=ppt/slides/slide2.xml><?xml version="1.0" encoding="utf-8"?>
 <p:sld xmlns:a="http://schemas.openxmlformats.org/drawingml/2006/main" xmlns:r="http://schemas.openxmlformats.org/officeDocument/2006/relationships" xmlns:p="http://schemas.openxmlformats.org/presentationml/2006/main">
   <p:cSld>
     <p:spTree>
@@ -5748,6 +7377,114 @@
           <a:p>
             <a:r>
               <a:rPr lang="sk-SK" dirty="0" smtClean="0"/>
+              <a:t>Obsah</a:t>
+            </a:r>
+            <a:endParaRPr lang="sk-SK" dirty="0"/>
+          </a:p>
+        </p:txBody>
+      </p:sp>
+      <p:sp>
+        <p:nvSpPr>
+          <p:cNvPr id="3" name="Content Placeholder 2"/>
+          <p:cNvSpPr>
+            <a:spLocks noGrp="1"/>
+          </p:cNvSpPr>
+          <p:nvPr>
+            <p:ph idx="1"/>
+          </p:nvPr>
+        </p:nvSpPr>
+        <p:spPr/>
+        <p:txBody>
+          <a:bodyPr/>
+          <a:lstStyle/>
+          <a:p>
+            <a:r>
+              <a:rPr lang="sk-SK" dirty="0" smtClean="0"/>
+              <a:t>Databáza</a:t>
+            </a:r>
+          </a:p>
+          <a:p>
+            <a:r>
+              <a:rPr lang="sk-SK" dirty="0"/>
+              <a:t>Redukčné </a:t>
+            </a:r>
+            <a:r>
+              <a:rPr lang="sk-SK" dirty="0" smtClean="0"/>
+              <a:t>algoritmy</a:t>
+            </a:r>
+          </a:p>
+          <a:p>
+            <a:r>
+              <a:rPr lang="sk-SK" dirty="0" err="1" smtClean="0"/>
+              <a:t>Klasifikátory</a:t>
+            </a:r>
+            <a:endParaRPr lang="sk-SK" dirty="0" smtClean="0"/>
+          </a:p>
+          <a:p>
+            <a:r>
+              <a:rPr lang="sk-SK" dirty="0"/>
+              <a:t>ROC </a:t>
+            </a:r>
+            <a:r>
+              <a:rPr lang="sk-SK" dirty="0" smtClean="0"/>
+              <a:t>krivky</a:t>
+            </a:r>
+          </a:p>
+          <a:p>
+            <a:r>
+              <a:rPr lang="sk-SK" dirty="0" smtClean="0"/>
+              <a:t>Vyhodnotenie</a:t>
+            </a:r>
+          </a:p>
+        </p:txBody>
+      </p:sp>
+    </p:spTree>
+    <p:extLst>
+      <p:ext uri="{BB962C8B-B14F-4D97-AF65-F5344CB8AC3E}">
+        <p14:creationId xmlns:p14="http://schemas.microsoft.com/office/powerpoint/2010/main" val="4093649890"/>
+      </p:ext>
+    </p:extLst>
+  </p:cSld>
+  <p:clrMapOvr>
+    <a:masterClrMapping/>
+  </p:clrMapOvr>
+</p:sld>
+</file>
+
+<file path=ppt/slides/slide20.xml><?xml version="1.0" encoding="utf-8"?>
+<p:sld xmlns:a="http://schemas.openxmlformats.org/drawingml/2006/main" xmlns:r="http://schemas.openxmlformats.org/officeDocument/2006/relationships" xmlns:p="http://schemas.openxmlformats.org/presentationml/2006/main">
+  <p:cSld>
+    <p:spTree>
+      <p:nvGrpSpPr>
+        <p:cNvPr id="1" name=""/>
+        <p:cNvGrpSpPr/>
+        <p:nvPr/>
+      </p:nvGrpSpPr>
+      <p:grpSpPr>
+        <a:xfrm>
+          <a:off x="0" y="0"/>
+          <a:ext cx="0" cy="0"/>
+          <a:chOff x="0" y="0"/>
+          <a:chExt cx="0" cy="0"/>
+        </a:xfrm>
+      </p:grpSpPr>
+      <p:sp>
+        <p:nvSpPr>
+          <p:cNvPr id="2" name="Title 1"/>
+          <p:cNvSpPr>
+            <a:spLocks noGrp="1"/>
+          </p:cNvSpPr>
+          <p:nvPr>
+            <p:ph type="title"/>
+          </p:nvPr>
+        </p:nvSpPr>
+        <p:spPr/>
+        <p:txBody>
+          <a:bodyPr/>
+          <a:lstStyle/>
+          <a:p>
+            <a:r>
+              <a:rPr lang="sk-SK" dirty="0" smtClean="0"/>
               <a:t>Rozhodovací strom nálezisko</a:t>
             </a:r>
             <a:endParaRPr lang="sk-SK" dirty="0"/>
@@ -5765,6 +7502,15 @@
         <p:blipFill>
           <a:blip r:embed="rId2">
             <a:extLst>
+              <a:ext uri="{BEBA8EAE-BF5A-486C-A8C5-ECC9F3942E4B}">
+                <a14:imgProps xmlns:a14="http://schemas.microsoft.com/office/drawing/2010/main">
+                  <a14:imgLayer r:embed="rId3">
+                    <a14:imgEffect>
+                      <a14:brightnessContrast bright="20000" contrast="-40000"/>
+                    </a14:imgEffect>
+                  </a14:imgLayer>
+                </a14:imgProps>
+              </a:ext>
               <a:ext uri="{28A0092B-C50C-407E-A947-70E740481C1C}">
                 <a14:useLocalDpi xmlns:a14="http://schemas.microsoft.com/office/drawing/2010/main" val="0"/>
               </a:ext>
@@ -5776,8 +7522,8 @@
         </p:blipFill>
         <p:spPr>
           <a:xfrm>
-            <a:off x="107504" y="1340767"/>
-            <a:ext cx="8964488" cy="4536505"/>
+            <a:off x="347072" y="1340768"/>
+            <a:ext cx="8449855" cy="4960420"/>
           </a:xfrm>
           <a:prstGeom prst="rect">
             <a:avLst/>
@@ -5797,7 +7543,7 @@
 </p:sld>
 </file>
 
-<file path=ppt/slides/slide19.xml><?xml version="1.0" encoding="utf-8"?>
+<file path=ppt/slides/slide21.xml><?xml version="1.0" encoding="utf-8"?>
 <p:sld xmlns:a="http://schemas.openxmlformats.org/drawingml/2006/main" xmlns:r="http://schemas.openxmlformats.org/officeDocument/2006/relationships" xmlns:p="http://schemas.openxmlformats.org/presentationml/2006/main">
   <p:cSld>
     <p:spTree>
@@ -5907,114 +7653,6 @@
     <p:extLst>
       <p:ext uri="{BB962C8B-B14F-4D97-AF65-F5344CB8AC3E}">
         <p14:creationId xmlns:p14="http://schemas.microsoft.com/office/powerpoint/2010/main" val="980816275"/>
-      </p:ext>
-    </p:extLst>
-  </p:cSld>
-  <p:clrMapOvr>
-    <a:masterClrMapping/>
-  </p:clrMapOvr>
-</p:sld>
-</file>
-
-<file path=ppt/slides/slide2.xml><?xml version="1.0" encoding="utf-8"?>
-<p:sld xmlns:a="http://schemas.openxmlformats.org/drawingml/2006/main" xmlns:r="http://schemas.openxmlformats.org/officeDocument/2006/relationships" xmlns:p="http://schemas.openxmlformats.org/presentationml/2006/main">
-  <p:cSld>
-    <p:spTree>
-      <p:nvGrpSpPr>
-        <p:cNvPr id="1" name=""/>
-        <p:cNvGrpSpPr/>
-        <p:nvPr/>
-      </p:nvGrpSpPr>
-      <p:grpSpPr>
-        <a:xfrm>
-          <a:off x="0" y="0"/>
-          <a:ext cx="0" cy="0"/>
-          <a:chOff x="0" y="0"/>
-          <a:chExt cx="0" cy="0"/>
-        </a:xfrm>
-      </p:grpSpPr>
-      <p:sp>
-        <p:nvSpPr>
-          <p:cNvPr id="2" name="Title 1"/>
-          <p:cNvSpPr>
-            <a:spLocks noGrp="1"/>
-          </p:cNvSpPr>
-          <p:nvPr>
-            <p:ph type="title"/>
-          </p:nvPr>
-        </p:nvSpPr>
-        <p:spPr/>
-        <p:txBody>
-          <a:bodyPr/>
-          <a:lstStyle/>
-          <a:p>
-            <a:r>
-              <a:rPr lang="sk-SK" dirty="0" smtClean="0"/>
-              <a:t>Obsah</a:t>
-            </a:r>
-            <a:endParaRPr lang="sk-SK" dirty="0"/>
-          </a:p>
-        </p:txBody>
-      </p:sp>
-      <p:sp>
-        <p:nvSpPr>
-          <p:cNvPr id="3" name="Content Placeholder 2"/>
-          <p:cNvSpPr>
-            <a:spLocks noGrp="1"/>
-          </p:cNvSpPr>
-          <p:nvPr>
-            <p:ph idx="1"/>
-          </p:nvPr>
-        </p:nvSpPr>
-        <p:spPr/>
-        <p:txBody>
-          <a:bodyPr/>
-          <a:lstStyle/>
-          <a:p>
-            <a:r>
-              <a:rPr lang="sk-SK" dirty="0" smtClean="0"/>
-              <a:t>Databáza</a:t>
-            </a:r>
-          </a:p>
-          <a:p>
-            <a:r>
-              <a:rPr lang="sk-SK" dirty="0"/>
-              <a:t>Redukčné </a:t>
-            </a:r>
-            <a:r>
-              <a:rPr lang="sk-SK" dirty="0" smtClean="0"/>
-              <a:t>algoritmy</a:t>
-            </a:r>
-          </a:p>
-          <a:p>
-            <a:r>
-              <a:rPr lang="sk-SK" dirty="0" err="1" smtClean="0"/>
-              <a:t>Klasifikátory</a:t>
-            </a:r>
-            <a:endParaRPr lang="sk-SK" dirty="0" smtClean="0"/>
-          </a:p>
-          <a:p>
-            <a:r>
-              <a:rPr lang="sk-SK" dirty="0"/>
-              <a:t>ROC </a:t>
-            </a:r>
-            <a:r>
-              <a:rPr lang="sk-SK" dirty="0" smtClean="0"/>
-              <a:t>krivky</a:t>
-            </a:r>
-          </a:p>
-          <a:p>
-            <a:r>
-              <a:rPr lang="sk-SK" dirty="0"/>
-              <a:t>Vyhodnotenie</a:t>
-            </a:r>
-          </a:p>
-        </p:txBody>
-      </p:sp>
-    </p:spTree>
-    <p:extLst>
-      <p:ext uri="{BB962C8B-B14F-4D97-AF65-F5344CB8AC3E}">
-        <p14:creationId xmlns:p14="http://schemas.microsoft.com/office/powerpoint/2010/main" val="4093649890"/>
       </p:ext>
     </p:extLst>
   </p:cSld>
@@ -6233,15 +7871,7 @@
             <a:pPr lvl="1"/>
             <a:r>
               <a:rPr lang="sk-SK" dirty="0" smtClean="0"/>
-              <a:t>Vybrali sme ho lebo bol spomenutý na prednáške </a:t>
-            </a:r>
-            <a:r>
-              <a:rPr lang="sk-SK" smtClean="0"/>
-              <a:t>a bol </a:t>
-            </a:r>
-            <a:r>
-              <a:rPr lang="sk-SK" dirty="0" smtClean="0"/>
-              <a:t>aj vhodný na redukciu našich dát</a:t>
+              <a:t>Vybrali sme ho lebo bol kontrastom k PCA</a:t>
             </a:r>
             <a:endParaRPr lang="sk-SK" dirty="0"/>
           </a:p>
@@ -6293,85 +7923,46 @@
           <a:lstStyle/>
           <a:p>
             <a:r>
-              <a:rPr lang="sk-SK" dirty="0" err="1" smtClean="0"/>
-              <a:t>Klasifikátory</a:t>
+              <a:rPr lang="sk-SK" dirty="0" smtClean="0"/>
+              <a:t>Zredukované dáta</a:t>
             </a:r>
             <a:endParaRPr lang="sk-SK" dirty="0"/>
           </a:p>
         </p:txBody>
       </p:sp>
-      <p:sp>
-        <p:nvSpPr>
-          <p:cNvPr id="3" name="Content Placeholder 2"/>
-          <p:cNvSpPr>
-            <a:spLocks noGrp="1"/>
-          </p:cNvSpPr>
+      <p:pic>
+        <p:nvPicPr>
+          <p:cNvPr id="5" name="Content Placeholder 4"/>
+          <p:cNvPicPr>
+            <a:picLocks noGrp="1" noChangeAspect="1"/>
+          </p:cNvPicPr>
           <p:nvPr>
             <p:ph idx="1"/>
           </p:nvPr>
-        </p:nvSpPr>
-        <p:spPr/>
-        <p:txBody>
-          <a:bodyPr/>
-          <a:lstStyle/>
-          <a:p>
-            <a:r>
-              <a:rPr lang="sk-SK" dirty="0" smtClean="0"/>
-              <a:t>Lineárny </a:t>
-            </a:r>
-            <a:r>
-              <a:rPr lang="sk-SK" dirty="0" err="1" smtClean="0"/>
-              <a:t>klasifikátor</a:t>
-            </a:r>
-            <a:endParaRPr lang="sk-SK" dirty="0" smtClean="0"/>
-          </a:p>
-          <a:p>
-            <a:r>
-              <a:rPr lang="sk-SK" dirty="0" smtClean="0"/>
-              <a:t>Neurónové siete</a:t>
-            </a:r>
-          </a:p>
-          <a:p>
-            <a:r>
-              <a:rPr lang="sk-SK" dirty="0" smtClean="0"/>
-              <a:t>SOM</a:t>
-            </a:r>
-          </a:p>
-          <a:p>
-            <a:pPr lvl="1"/>
-            <a:r>
-              <a:rPr lang="sk-SK" dirty="0" smtClean="0"/>
-              <a:t>Všetky </a:t>
-            </a:r>
-            <a:r>
-              <a:rPr lang="sk-SK" dirty="0"/>
-              <a:t>3</a:t>
-            </a:r>
-            <a:r>
-              <a:rPr lang="sk-SK" dirty="0" smtClean="0"/>
-              <a:t> povinné</a:t>
-            </a:r>
-          </a:p>
-          <a:p>
-            <a:r>
-              <a:rPr lang="sk-SK" dirty="0" smtClean="0"/>
-              <a:t>Rozhodovací strom</a:t>
-            </a:r>
-          </a:p>
-          <a:p>
-            <a:pPr lvl="1"/>
-            <a:r>
-              <a:rPr lang="sk-SK" dirty="0" smtClean="0"/>
-              <a:t>Vybrali sme lebo sme mysleli že vetvením bude vedieť dobre rozhodnúť o jedlosti</a:t>
-            </a:r>
-            <a:endParaRPr lang="sk-SK" dirty="0"/>
-          </a:p>
-        </p:txBody>
-      </p:sp>
+        </p:nvPicPr>
+        <p:blipFill>
+          <a:blip r:embed="rId2">
+            <a:extLst>
+              <a:ext uri="{28A0092B-C50C-407E-A947-70E740481C1C}">
+                <a14:useLocalDpi xmlns:a14="http://schemas.microsoft.com/office/drawing/2010/main" val="0"/>
+              </a:ext>
+            </a:extLst>
+          </a:blip>
+          <a:stretch>
+            <a:fillRect/>
+          </a:stretch>
+        </p:blipFill>
+        <p:spPr>
+          <a:xfrm>
+            <a:off x="1249514" y="1281419"/>
+            <a:ext cx="6644973" cy="5243925"/>
+          </a:xfrm>
+        </p:spPr>
+      </p:pic>
     </p:spTree>
     <p:extLst>
       <p:ext uri="{BB962C8B-B14F-4D97-AF65-F5344CB8AC3E}">
-        <p14:creationId xmlns:p14="http://schemas.microsoft.com/office/powerpoint/2010/main" val="1075221335"/>
+        <p14:creationId xmlns:p14="http://schemas.microsoft.com/office/powerpoint/2010/main" val="2010244591"/>
       </p:ext>
     </p:extLst>
   </p:cSld>
@@ -6415,20 +8006,80 @@
           <a:p>
             <a:r>
               <a:rPr lang="sk-SK" dirty="0" smtClean="0"/>
-              <a:t>ROC krivky</a:t>
+              <a:t>Zredukované dáta</a:t>
             </a:r>
             <a:endParaRPr lang="sk-SK" dirty="0"/>
           </a:p>
         </p:txBody>
       </p:sp>
-      <p:sp>
-        <p:nvSpPr>
-          <p:cNvPr id="3" name="Content Placeholder 2"/>
-          <p:cNvSpPr>
-            <a:spLocks noGrp="1"/>
-          </p:cNvSpPr>
-          <p:nvPr>
-            <p:ph idx="1"/>
+      <p:pic>
+        <p:nvPicPr>
+          <p:cNvPr id="3" name="Picture 2"/>
+          <p:cNvPicPr>
+            <a:picLocks noChangeAspect="1"/>
+          </p:cNvPicPr>
+          <p:nvPr/>
+        </p:nvPicPr>
+        <p:blipFill>
+          <a:blip r:embed="rId2">
+            <a:extLst>
+              <a:ext uri="{28A0092B-C50C-407E-A947-70E740481C1C}">
+                <a14:useLocalDpi xmlns:a14="http://schemas.microsoft.com/office/drawing/2010/main" val="0"/>
+              </a:ext>
+            </a:extLst>
+          </a:blip>
+          <a:stretch>
+            <a:fillRect/>
+          </a:stretch>
+        </p:blipFill>
+        <p:spPr>
+          <a:xfrm>
+            <a:off x="1281069" y="1412776"/>
+            <a:ext cx="6581863" cy="5030888"/>
+          </a:xfrm>
+          <a:prstGeom prst="rect">
+            <a:avLst/>
+          </a:prstGeom>
+        </p:spPr>
+      </p:pic>
+    </p:spTree>
+    <p:extLst>
+      <p:ext uri="{BB962C8B-B14F-4D97-AF65-F5344CB8AC3E}">
+        <p14:creationId xmlns:p14="http://schemas.microsoft.com/office/powerpoint/2010/main" val="274101129"/>
+      </p:ext>
+    </p:extLst>
+  </p:cSld>
+  <p:clrMapOvr>
+    <a:masterClrMapping/>
+  </p:clrMapOvr>
+</p:sld>
+</file>
+
+<file path=ppt/slides/slide7.xml><?xml version="1.0" encoding="utf-8"?>
+<p:sld xmlns:a="http://schemas.openxmlformats.org/drawingml/2006/main" xmlns:r="http://schemas.openxmlformats.org/officeDocument/2006/relationships" xmlns:p="http://schemas.openxmlformats.org/presentationml/2006/main">
+  <p:cSld>
+    <p:spTree>
+      <p:nvGrpSpPr>
+        <p:cNvPr id="1" name=""/>
+        <p:cNvGrpSpPr/>
+        <p:nvPr/>
+      </p:nvGrpSpPr>
+      <p:grpSpPr>
+        <a:xfrm>
+          <a:off x="0" y="0"/>
+          <a:ext cx="0" cy="0"/>
+          <a:chOff x="0" y="0"/>
+          <a:chExt cx="0" cy="0"/>
+        </a:xfrm>
+      </p:grpSpPr>
+      <p:sp>
+        <p:nvSpPr>
+          <p:cNvPr id="2" name="Title 1"/>
+          <p:cNvSpPr>
+            <a:spLocks noGrp="1"/>
+          </p:cNvSpPr>
+          <p:nvPr>
+            <p:ph type="title"/>
           </p:nvPr>
         </p:nvSpPr>
         <p:spPr/>
@@ -6437,24 +8088,176 @@
           <a:lstStyle/>
           <a:p>
             <a:r>
+              <a:rPr lang="sk-SK" dirty="0" err="1" smtClean="0"/>
+              <a:t>Klasifikátory</a:t>
+            </a:r>
+            <a:endParaRPr lang="sk-SK" dirty="0"/>
+          </a:p>
+        </p:txBody>
+      </p:sp>
+      <p:sp>
+        <p:nvSpPr>
+          <p:cNvPr id="3" name="Content Placeholder 2"/>
+          <p:cNvSpPr>
+            <a:spLocks noGrp="1"/>
+          </p:cNvSpPr>
+          <p:nvPr>
+            <p:ph idx="1"/>
+          </p:nvPr>
+        </p:nvSpPr>
+        <p:spPr/>
+        <p:txBody>
+          <a:bodyPr/>
+          <a:lstStyle/>
+          <a:p>
+            <a:r>
+              <a:rPr lang="sk-SK" dirty="0" smtClean="0"/>
+              <a:t>Lineárny </a:t>
+            </a:r>
+            <a:r>
+              <a:rPr lang="sk-SK" dirty="0" err="1" smtClean="0"/>
+              <a:t>klasifikátor</a:t>
+            </a:r>
+            <a:endParaRPr lang="sk-SK" dirty="0" smtClean="0"/>
+          </a:p>
+          <a:p>
+            <a:r>
+              <a:rPr lang="sk-SK" dirty="0" smtClean="0"/>
+              <a:t>Neurónové siete</a:t>
+            </a:r>
+          </a:p>
+          <a:p>
+            <a:r>
+              <a:rPr lang="sk-SK" dirty="0" smtClean="0"/>
+              <a:t>SOM</a:t>
+            </a:r>
+          </a:p>
+          <a:p>
+            <a:pPr lvl="1"/>
+            <a:r>
+              <a:rPr lang="sk-SK" dirty="0" smtClean="0"/>
+              <a:t>Všetky </a:t>
+            </a:r>
+            <a:r>
+              <a:rPr lang="sk-SK" dirty="0"/>
+              <a:t>3</a:t>
+            </a:r>
+            <a:r>
+              <a:rPr lang="sk-SK" dirty="0" smtClean="0"/>
+              <a:t> povinné</a:t>
+            </a:r>
+          </a:p>
+          <a:p>
+            <a:r>
+              <a:rPr lang="sk-SK" dirty="0" smtClean="0"/>
+              <a:t>Rozhodovací strom</a:t>
+            </a:r>
+          </a:p>
+          <a:p>
+            <a:pPr lvl="1"/>
+            <a:r>
+              <a:rPr lang="sk-SK" dirty="0" smtClean="0"/>
+              <a:t>Vybrali sme lebo sme </a:t>
+            </a:r>
+            <a:r>
+              <a:rPr lang="sk-SK" dirty="0" smtClean="0"/>
+              <a:t>mysleli, </a:t>
+            </a:r>
+            <a:r>
+              <a:rPr lang="sk-SK" dirty="0" smtClean="0"/>
+              <a:t>že vetvením bude vedieť dobre rozhodnúť o jedlosti</a:t>
+            </a:r>
+            <a:endParaRPr lang="sk-SK" dirty="0"/>
+          </a:p>
+        </p:txBody>
+      </p:sp>
+    </p:spTree>
+    <p:extLst>
+      <p:ext uri="{BB962C8B-B14F-4D97-AF65-F5344CB8AC3E}">
+        <p14:creationId xmlns:p14="http://schemas.microsoft.com/office/powerpoint/2010/main" val="1075221335"/>
+      </p:ext>
+    </p:extLst>
+  </p:cSld>
+  <p:clrMapOvr>
+    <a:masterClrMapping/>
+  </p:clrMapOvr>
+</p:sld>
+</file>
+
+<file path=ppt/slides/slide8.xml><?xml version="1.0" encoding="utf-8"?>
+<p:sld xmlns:a="http://schemas.openxmlformats.org/drawingml/2006/main" xmlns:r="http://schemas.openxmlformats.org/officeDocument/2006/relationships" xmlns:p="http://schemas.openxmlformats.org/presentationml/2006/main">
+  <p:cSld>
+    <p:spTree>
+      <p:nvGrpSpPr>
+        <p:cNvPr id="1" name=""/>
+        <p:cNvGrpSpPr/>
+        <p:nvPr/>
+      </p:nvGrpSpPr>
+      <p:grpSpPr>
+        <a:xfrm>
+          <a:off x="0" y="0"/>
+          <a:ext cx="0" cy="0"/>
+          <a:chOff x="0" y="0"/>
+          <a:chExt cx="0" cy="0"/>
+        </a:xfrm>
+      </p:grpSpPr>
+      <p:sp>
+        <p:nvSpPr>
+          <p:cNvPr id="2" name="Title 1"/>
+          <p:cNvSpPr>
+            <a:spLocks noGrp="1"/>
+          </p:cNvSpPr>
+          <p:nvPr>
+            <p:ph type="title"/>
+          </p:nvPr>
+        </p:nvSpPr>
+        <p:spPr/>
+        <p:txBody>
+          <a:bodyPr/>
+          <a:lstStyle/>
+          <a:p>
+            <a:r>
+              <a:rPr lang="sk-SK" dirty="0" smtClean="0"/>
+              <a:t>ROC krivky</a:t>
+            </a:r>
+            <a:endParaRPr lang="sk-SK" dirty="0"/>
+          </a:p>
+        </p:txBody>
+      </p:sp>
+      <p:sp>
+        <p:nvSpPr>
+          <p:cNvPr id="3" name="Content Placeholder 2"/>
+          <p:cNvSpPr>
+            <a:spLocks noGrp="1"/>
+          </p:cNvSpPr>
+          <p:nvPr>
+            <p:ph idx="1"/>
+          </p:nvPr>
+        </p:nvSpPr>
+        <p:spPr/>
+        <p:txBody>
+          <a:bodyPr/>
+          <a:lstStyle/>
+          <a:p>
+            <a:r>
               <a:rPr lang="sk-SK" dirty="0" smtClean="0"/>
               <a:t>Pre jednotlivé </a:t>
             </a:r>
             <a:r>
-              <a:rPr lang="sk-SK" dirty="0" err="1" smtClean="0"/>
-              <a:t>algoritmi</a:t>
-            </a:r>
-            <a:r>
               <a:rPr lang="sk-SK" dirty="0" smtClean="0"/>
-              <a:t> a zisťované príznaky budú ROC krivky uvedené </a:t>
-            </a:r>
-            <a:r>
-              <a:rPr lang="sk-SK" dirty="0" err="1" smtClean="0"/>
-              <a:t>nalavo</a:t>
+              <a:t>algoritmy </a:t>
             </a:r>
             <a:r>
               <a:rPr lang="sk-SK" dirty="0" smtClean="0"/>
-              <a:t> s PCA na pravo s ICA redukciou</a:t>
+              <a:t>a zisťované príznaky budú ROC krivky uvedené </a:t>
+            </a:r>
+            <a:r>
+              <a:rPr lang="sk-SK" dirty="0" smtClean="0"/>
+              <a:t>naľavo </a:t>
+            </a:r>
+            <a:r>
+              <a:rPr lang="sk-SK" dirty="0" smtClean="0"/>
+              <a:t>s PCA na pravo s ICA redukciou</a:t>
             </a:r>
             <a:endParaRPr lang="sk-SK" dirty="0"/>
           </a:p>
@@ -6473,7 +8276,7 @@
 </p:sld>
 </file>
 
-<file path=ppt/slides/slide7.xml><?xml version="1.0" encoding="utf-8"?>
+<file path=ppt/slides/slide9.xml><?xml version="1.0" encoding="utf-8"?>
 <p:sld xmlns:a="http://schemas.openxmlformats.org/drawingml/2006/main" xmlns:r="http://schemas.openxmlformats.org/officeDocument/2006/relationships" xmlns:p="http://schemas.openxmlformats.org/presentationml/2006/main">
   <p:cSld>
     <p:spTree>
@@ -6627,1648 +8430,6 @@
     <p:extLst>
       <p:ext uri="{BB962C8B-B14F-4D97-AF65-F5344CB8AC3E}">
         <p14:creationId xmlns:p14="http://schemas.microsoft.com/office/powerpoint/2010/main" val="3662319191"/>
-      </p:ext>
-    </p:extLst>
-  </p:cSld>
-  <p:clrMapOvr>
-    <a:masterClrMapping/>
-  </p:clrMapOvr>
-</p:sld>
-</file>
-
-<file path=ppt/slides/slide8.xml><?xml version="1.0" encoding="utf-8"?>
-<p:sld xmlns:a="http://schemas.openxmlformats.org/drawingml/2006/main" xmlns:r="http://schemas.openxmlformats.org/officeDocument/2006/relationships" xmlns:p="http://schemas.openxmlformats.org/presentationml/2006/main">
-  <p:cSld>
-    <p:spTree>
-      <p:nvGrpSpPr>
-        <p:cNvPr id="1" name=""/>
-        <p:cNvGrpSpPr/>
-        <p:nvPr/>
-      </p:nvGrpSpPr>
-      <p:grpSpPr>
-        <a:xfrm>
-          <a:off x="0" y="0"/>
-          <a:ext cx="0" cy="0"/>
-          <a:chOff x="0" y="0"/>
-          <a:chExt cx="0" cy="0"/>
-        </a:xfrm>
-      </p:grpSpPr>
-      <p:sp>
-        <p:nvSpPr>
-          <p:cNvPr id="2" name="Title 1"/>
-          <p:cNvSpPr>
-            <a:spLocks noGrp="1"/>
-          </p:cNvSpPr>
-          <p:nvPr>
-            <p:ph type="title"/>
-          </p:nvPr>
-        </p:nvSpPr>
-        <p:spPr/>
-        <p:txBody>
-          <a:bodyPr/>
-          <a:lstStyle/>
-          <a:p>
-            <a:r>
-              <a:rPr lang="sk-SK" dirty="0"/>
-              <a:t>ROC krivky</a:t>
-            </a:r>
-          </a:p>
-        </p:txBody>
-      </p:sp>
-      <p:sp>
-        <p:nvSpPr>
-          <p:cNvPr id="3" name="Content Placeholder 2"/>
-          <p:cNvSpPr>
-            <a:spLocks noGrp="1"/>
-          </p:cNvSpPr>
-          <p:nvPr>
-            <p:ph idx="1"/>
-          </p:nvPr>
-        </p:nvSpPr>
-        <p:spPr/>
-        <p:txBody>
-          <a:bodyPr/>
-          <a:lstStyle/>
-          <a:p>
-            <a:r>
-              <a:rPr lang="sk-SK" dirty="0"/>
-              <a:t>Neurónové </a:t>
-            </a:r>
-            <a:r>
-              <a:rPr lang="sk-SK" dirty="0" smtClean="0"/>
-              <a:t>siete pre </a:t>
-            </a:r>
-            <a:r>
-              <a:rPr lang="sk-SK" dirty="0"/>
-              <a:t>nálezisko</a:t>
-            </a:r>
-          </a:p>
-          <a:p>
-            <a:endParaRPr lang="sk-SK" dirty="0"/>
-          </a:p>
-        </p:txBody>
-      </p:sp>
-      <p:pic>
-        <p:nvPicPr>
-          <p:cNvPr id="4098" name="Picture 2" descr="C:\Users\Misko\Desktop\RO temp\5valid screeny\NN_23habitat_5valid_PCA.png"/>
-          <p:cNvPicPr>
-            <a:picLocks noChangeAspect="1" noChangeArrowheads="1"/>
-          </p:cNvPicPr>
-          <p:nvPr/>
-        </p:nvPicPr>
-        <p:blipFill>
-          <a:blip r:embed="rId2">
-            <a:extLst>
-              <a:ext uri="{28A0092B-C50C-407E-A947-70E740481C1C}">
-                <a14:useLocalDpi xmlns:a14="http://schemas.microsoft.com/office/drawing/2010/main" val="0"/>
-              </a:ext>
-            </a:extLst>
-          </a:blip>
-          <a:srcRect/>
-          <a:stretch>
-            <a:fillRect/>
-          </a:stretch>
-        </p:blipFill>
-        <p:spPr bwMode="auto">
-          <a:xfrm>
-            <a:off x="467544" y="2787512"/>
-            <a:ext cx="3744417" cy="2951301"/>
-          </a:xfrm>
-          <a:prstGeom prst="rect">
-            <a:avLst/>
-          </a:prstGeom>
-          <a:noFill/>
-          <a:extLst>
-            <a:ext uri="{909E8E84-426E-40DD-AFC4-6F175D3DCCD1}">
-              <a14:hiddenFill xmlns:a14="http://schemas.microsoft.com/office/drawing/2010/main">
-                <a:solidFill>
-                  <a:srgbClr val="FFFFFF"/>
-                </a:solidFill>
-              </a14:hiddenFill>
-            </a:ext>
-          </a:extLst>
-        </p:spPr>
-      </p:pic>
-      <p:pic>
-        <p:nvPicPr>
-          <p:cNvPr id="4099" name="Picture 3" descr="C:\Users\Misko\Desktop\RO temp\5valid screeny\NN_23habitat_5valid_ICA.png"/>
-          <p:cNvPicPr>
-            <a:picLocks noChangeAspect="1" noChangeArrowheads="1"/>
-          </p:cNvPicPr>
-          <p:nvPr/>
-        </p:nvPicPr>
-        <p:blipFill>
-          <a:blip r:embed="rId3">
-            <a:extLst>
-              <a:ext uri="{28A0092B-C50C-407E-A947-70E740481C1C}">
-                <a14:useLocalDpi xmlns:a14="http://schemas.microsoft.com/office/drawing/2010/main" val="0"/>
-              </a:ext>
-            </a:extLst>
-          </a:blip>
-          <a:srcRect/>
-          <a:stretch>
-            <a:fillRect/>
-          </a:stretch>
-        </p:blipFill>
-        <p:spPr bwMode="auto">
-          <a:xfrm>
-            <a:off x="4499991" y="2787512"/>
-            <a:ext cx="3848553" cy="2965153"/>
-          </a:xfrm>
-          <a:prstGeom prst="rect">
-            <a:avLst/>
-          </a:prstGeom>
-          <a:noFill/>
-          <a:extLst>
-            <a:ext uri="{909E8E84-426E-40DD-AFC4-6F175D3DCCD1}">
-              <a14:hiddenFill xmlns:a14="http://schemas.microsoft.com/office/drawing/2010/main">
-                <a:solidFill>
-                  <a:srgbClr val="FFFFFF"/>
-                </a:solidFill>
-              </a14:hiddenFill>
-            </a:ext>
-          </a:extLst>
-        </p:spPr>
-      </p:pic>
-    </p:spTree>
-    <p:extLst>
-      <p:ext uri="{BB962C8B-B14F-4D97-AF65-F5344CB8AC3E}">
-        <p14:creationId xmlns:p14="http://schemas.microsoft.com/office/powerpoint/2010/main" val="4164958327"/>
-      </p:ext>
-    </p:extLst>
-  </p:cSld>
-  <p:clrMapOvr>
-    <a:masterClrMapping/>
-  </p:clrMapOvr>
-</p:sld>
-</file>
-
-<file path=ppt/slides/slide9.xml><?xml version="1.0" encoding="utf-8"?>
-<p:sld xmlns:a="http://schemas.openxmlformats.org/drawingml/2006/main" xmlns:r="http://schemas.openxmlformats.org/officeDocument/2006/relationships" xmlns:p="http://schemas.openxmlformats.org/presentationml/2006/main">
-  <p:cSld>
-    <p:spTree>
-      <p:nvGrpSpPr>
-        <p:cNvPr id="1" name=""/>
-        <p:cNvGrpSpPr/>
-        <p:nvPr/>
-      </p:nvGrpSpPr>
-      <p:grpSpPr>
-        <a:xfrm>
-          <a:off x="0" y="0"/>
-          <a:ext cx="0" cy="0"/>
-          <a:chOff x="0" y="0"/>
-          <a:chExt cx="0" cy="0"/>
-        </a:xfrm>
-      </p:grpSpPr>
-      <p:sp>
-        <p:nvSpPr>
-          <p:cNvPr id="2" name="Title 1"/>
-          <p:cNvSpPr>
-            <a:spLocks noGrp="1"/>
-          </p:cNvSpPr>
-          <p:nvPr>
-            <p:ph type="title"/>
-          </p:nvPr>
-        </p:nvSpPr>
-        <p:spPr/>
-        <p:txBody>
-          <a:bodyPr>
-            <a:normAutofit fontScale="90000"/>
-          </a:bodyPr>
-          <a:lstStyle/>
-          <a:p>
-            <a:r>
-              <a:rPr lang="sk-SK" dirty="0" smtClean="0"/>
-              <a:t>Confusion matice</a:t>
-            </a:r>
-            <a:br>
-              <a:rPr lang="sk-SK" dirty="0" smtClean="0"/>
-            </a:br>
-            <a:r>
-              <a:rPr lang="sk-SK" dirty="0" smtClean="0"/>
-              <a:t>neurónové siete jedlosť a nálezisko</a:t>
-            </a:r>
-            <a:endParaRPr lang="sk-SK" dirty="0"/>
-          </a:p>
-        </p:txBody>
-      </p:sp>
-      <p:graphicFrame>
-        <p:nvGraphicFramePr>
-          <p:cNvPr id="6" name="Content Placeholder 5"/>
-          <p:cNvGraphicFramePr>
-            <a:graphicFrameLocks noGrp="1"/>
-          </p:cNvGraphicFramePr>
-          <p:nvPr>
-            <p:ph idx="1"/>
-            <p:extLst>
-              <p:ext uri="{D42A27DB-BD31-4B8C-83A1-F6EECF244321}">
-                <p14:modId xmlns:p14="http://schemas.microsoft.com/office/powerpoint/2010/main" val="479898723"/>
-              </p:ext>
-            </p:extLst>
-          </p:nvPr>
-        </p:nvGraphicFramePr>
-        <p:xfrm>
-          <a:off x="2195736" y="1988840"/>
-          <a:ext cx="4176464" cy="1080120"/>
-        </p:xfrm>
-        <a:graphic>
-          <a:graphicData uri="http://schemas.openxmlformats.org/drawingml/2006/table">
-            <a:tbl>
-              <a:tblPr>
-                <a:tableStyleId>{5C22544A-7EE6-4342-B048-85BDC9FD1C3A}</a:tableStyleId>
-              </a:tblPr>
-              <a:tblGrid>
-                <a:gridCol w="1478624"/>
-                <a:gridCol w="1245157"/>
-                <a:gridCol w="1452683"/>
-              </a:tblGrid>
-              <a:tr h="360040">
-                <a:tc>
-                  <a:txBody>
-                    <a:bodyPr/>
-                    <a:lstStyle/>
-                    <a:p>
-                      <a:pPr algn="l" fontAlgn="b"/>
-                      <a:endParaRPr lang="sk-SK" sz="1600" b="1" i="0" u="none" strike="noStrike" dirty="0">
-                        <a:solidFill>
-                          <a:srgbClr val="000000"/>
-                        </a:solidFill>
-                        <a:effectLst/>
-                        <a:latin typeface="Calibri"/>
-                      </a:endParaRPr>
-                    </a:p>
-                  </a:txBody>
-                  <a:tcPr marL="9525" marR="9525" marT="9525" marB="0" anchor="b"/>
-                </a:tc>
-                <a:tc>
-                  <a:txBody>
-                    <a:bodyPr/>
-                    <a:lstStyle/>
-                    <a:p>
-                      <a:pPr algn="l" fontAlgn="b"/>
-                      <a:r>
-                        <a:rPr lang="sk-SK" sz="1600" b="1" u="none" strike="noStrike">
-                          <a:effectLst/>
-                        </a:rPr>
-                        <a:t>Edible</a:t>
-                      </a:r>
-                      <a:endParaRPr lang="sk-SK" sz="1600" b="1" i="0" u="none" strike="noStrike">
-                        <a:solidFill>
-                          <a:srgbClr val="000000"/>
-                        </a:solidFill>
-                        <a:effectLst/>
-                        <a:latin typeface="Calibri"/>
-                      </a:endParaRPr>
-                    </a:p>
-                  </a:txBody>
-                  <a:tcPr marL="9525" marR="9525" marT="9525" marB="0" anchor="b"/>
-                </a:tc>
-                <a:tc>
-                  <a:txBody>
-                    <a:bodyPr/>
-                    <a:lstStyle/>
-                    <a:p>
-                      <a:pPr algn="l" fontAlgn="b"/>
-                      <a:r>
-                        <a:rPr lang="sk-SK" sz="1600" b="1" u="none" strike="noStrike" dirty="0">
-                          <a:effectLst/>
-                        </a:rPr>
-                        <a:t>Poisonous</a:t>
-                      </a:r>
-                      <a:endParaRPr lang="sk-SK" sz="1600" b="1" i="0" u="none" strike="noStrike" dirty="0">
-                        <a:solidFill>
-                          <a:srgbClr val="000000"/>
-                        </a:solidFill>
-                        <a:effectLst/>
-                        <a:latin typeface="Calibri"/>
-                      </a:endParaRPr>
-                    </a:p>
-                  </a:txBody>
-                  <a:tcPr marL="9525" marR="9525" marT="9525" marB="0" anchor="b"/>
-                </a:tc>
-              </a:tr>
-              <a:tr h="360040">
-                <a:tc>
-                  <a:txBody>
-                    <a:bodyPr/>
-                    <a:lstStyle/>
-                    <a:p>
-                      <a:pPr algn="l" fontAlgn="b"/>
-                      <a:r>
-                        <a:rPr lang="sk-SK" sz="1600" b="1" u="none" strike="noStrike" dirty="0">
-                          <a:effectLst/>
-                        </a:rPr>
-                        <a:t>Edible</a:t>
-                      </a:r>
-                      <a:endParaRPr lang="sk-SK" sz="1600" b="1" i="0" u="none" strike="noStrike" dirty="0">
-                        <a:solidFill>
-                          <a:srgbClr val="000000"/>
-                        </a:solidFill>
-                        <a:effectLst/>
-                        <a:latin typeface="Calibri"/>
-                      </a:endParaRPr>
-                    </a:p>
-                  </a:txBody>
-                  <a:tcPr marL="9525" marR="9525" marT="9525" marB="0" anchor="b"/>
-                </a:tc>
-                <a:tc>
-                  <a:txBody>
-                    <a:bodyPr/>
-                    <a:lstStyle/>
-                    <a:p>
-                      <a:pPr algn="r" fontAlgn="b"/>
-                      <a:r>
-                        <a:rPr lang="sk-SK" sz="1600" u="none" strike="noStrike" dirty="0">
-                          <a:effectLst/>
-                        </a:rPr>
-                        <a:t>741</a:t>
-                      </a:r>
-                      <a:endParaRPr lang="sk-SK" sz="1600" b="0" i="0" u="none" strike="noStrike" dirty="0">
-                        <a:solidFill>
-                          <a:srgbClr val="000000"/>
-                        </a:solidFill>
-                        <a:effectLst/>
-                        <a:latin typeface="Calibri"/>
-                      </a:endParaRPr>
-                    </a:p>
-                  </a:txBody>
-                  <a:tcPr marL="9525" marR="9525" marT="9525" marB="0" anchor="b"/>
-                </a:tc>
-                <a:tc>
-                  <a:txBody>
-                    <a:bodyPr/>
-                    <a:lstStyle/>
-                    <a:p>
-                      <a:pPr algn="r" fontAlgn="b"/>
-                      <a:r>
-                        <a:rPr lang="sk-SK" sz="1600" u="none" strike="noStrike" dirty="0">
-                          <a:effectLst/>
-                        </a:rPr>
-                        <a:t>2</a:t>
-                      </a:r>
-                      <a:endParaRPr lang="sk-SK" sz="1600" b="0" i="0" u="none" strike="noStrike" dirty="0">
-                        <a:solidFill>
-                          <a:srgbClr val="000000"/>
-                        </a:solidFill>
-                        <a:effectLst/>
-                        <a:latin typeface="Calibri"/>
-                      </a:endParaRPr>
-                    </a:p>
-                  </a:txBody>
-                  <a:tcPr marL="9525" marR="9525" marT="9525" marB="0" anchor="b"/>
-                </a:tc>
-              </a:tr>
-              <a:tr h="360040">
-                <a:tc>
-                  <a:txBody>
-                    <a:bodyPr/>
-                    <a:lstStyle/>
-                    <a:p>
-                      <a:pPr algn="l" fontAlgn="b"/>
-                      <a:r>
-                        <a:rPr lang="sk-SK" sz="1600" b="1" u="none" strike="noStrike" dirty="0">
-                          <a:effectLst/>
-                        </a:rPr>
-                        <a:t>Poisonous</a:t>
-                      </a:r>
-                      <a:endParaRPr lang="sk-SK" sz="1600" b="1" i="0" u="none" strike="noStrike" dirty="0">
-                        <a:solidFill>
-                          <a:srgbClr val="000000"/>
-                        </a:solidFill>
-                        <a:effectLst/>
-                        <a:latin typeface="Calibri"/>
-                      </a:endParaRPr>
-                    </a:p>
-                  </a:txBody>
-                  <a:tcPr marL="9525" marR="9525" marT="9525" marB="0" anchor="b"/>
-                </a:tc>
-                <a:tc>
-                  <a:txBody>
-                    <a:bodyPr/>
-                    <a:lstStyle/>
-                    <a:p>
-                      <a:pPr algn="r" fontAlgn="b"/>
-                      <a:r>
-                        <a:rPr lang="sk-SK" sz="1600" u="none" strike="noStrike" dirty="0">
-                          <a:effectLst/>
-                        </a:rPr>
-                        <a:t>12</a:t>
-                      </a:r>
-                      <a:endParaRPr lang="sk-SK" sz="1600" b="0" i="0" u="none" strike="noStrike" dirty="0">
-                        <a:solidFill>
-                          <a:srgbClr val="000000"/>
-                        </a:solidFill>
-                        <a:effectLst/>
-                        <a:latin typeface="Calibri"/>
-                      </a:endParaRPr>
-                    </a:p>
-                  </a:txBody>
-                  <a:tcPr marL="9525" marR="9525" marT="9525" marB="0" anchor="b"/>
-                </a:tc>
-                <a:tc>
-                  <a:txBody>
-                    <a:bodyPr/>
-                    <a:lstStyle/>
-                    <a:p>
-                      <a:pPr algn="r" fontAlgn="b"/>
-                      <a:r>
-                        <a:rPr lang="sk-SK" sz="1600" u="none" strike="noStrike" dirty="0">
-                          <a:effectLst/>
-                        </a:rPr>
-                        <a:t>432</a:t>
-                      </a:r>
-                      <a:endParaRPr lang="sk-SK" sz="1600" b="0" i="0" u="none" strike="noStrike" dirty="0">
-                        <a:solidFill>
-                          <a:srgbClr val="000000"/>
-                        </a:solidFill>
-                        <a:effectLst/>
-                        <a:latin typeface="Calibri"/>
-                      </a:endParaRPr>
-                    </a:p>
-                  </a:txBody>
-                  <a:tcPr marL="9525" marR="9525" marT="9525" marB="0" anchor="b"/>
-                </a:tc>
-              </a:tr>
-            </a:tbl>
-          </a:graphicData>
-        </a:graphic>
-      </p:graphicFrame>
-      <p:graphicFrame>
-        <p:nvGraphicFramePr>
-          <p:cNvPr id="7" name="Table 6"/>
-          <p:cNvGraphicFramePr>
-            <a:graphicFrameLocks noGrp="1"/>
-          </p:cNvGraphicFramePr>
-          <p:nvPr>
-            <p:extLst>
-              <p:ext uri="{D42A27DB-BD31-4B8C-83A1-F6EECF244321}">
-                <p14:modId xmlns:p14="http://schemas.microsoft.com/office/powerpoint/2010/main" val="4191793932"/>
-              </p:ext>
-            </p:extLst>
-          </p:nvPr>
-        </p:nvGraphicFramePr>
-        <p:xfrm>
-          <a:off x="827584" y="3429000"/>
-          <a:ext cx="6768755" cy="2088233"/>
-        </p:xfrm>
-        <a:graphic>
-          <a:graphicData uri="http://schemas.openxmlformats.org/drawingml/2006/table">
-            <a:tbl>
-              <a:tblPr>
-                <a:tableStyleId>{5C22544A-7EE6-4342-B048-85BDC9FD1C3A}</a:tableStyleId>
-              </a:tblPr>
-              <a:tblGrid>
-                <a:gridCol w="966965"/>
-                <a:gridCol w="966965"/>
-                <a:gridCol w="966965"/>
-                <a:gridCol w="966965"/>
-                <a:gridCol w="966965"/>
-                <a:gridCol w="966965"/>
-                <a:gridCol w="966965"/>
-              </a:tblGrid>
-              <a:tr h="298319">
-                <a:tc>
-                  <a:txBody>
-                    <a:bodyPr/>
-                    <a:lstStyle/>
-                    <a:p>
-                      <a:pPr algn="l" fontAlgn="b"/>
-                      <a:endParaRPr lang="sk-SK" sz="1600" b="1" i="0" u="none" strike="noStrike" dirty="0">
-                        <a:solidFill>
-                          <a:srgbClr val="000000"/>
-                        </a:solidFill>
-                        <a:effectLst/>
-                        <a:latin typeface="Calibri"/>
-                      </a:endParaRPr>
-                    </a:p>
-                  </a:txBody>
-                  <a:tcPr marL="9525" marR="9525" marT="9525" marB="0" anchor="b"/>
-                </a:tc>
-                <a:tc>
-                  <a:txBody>
-                    <a:bodyPr/>
-                    <a:lstStyle/>
-                    <a:p>
-                      <a:pPr algn="l" fontAlgn="b"/>
-                      <a:r>
-                        <a:rPr lang="sk-SK" sz="1600" b="1" u="none" strike="noStrike" dirty="0">
-                          <a:effectLst/>
-                        </a:rPr>
-                        <a:t>Trava</a:t>
-                      </a:r>
-                      <a:endParaRPr lang="sk-SK" sz="1600" b="1" i="0" u="none" strike="noStrike" dirty="0">
-                        <a:solidFill>
-                          <a:srgbClr val="000000"/>
-                        </a:solidFill>
-                        <a:effectLst/>
-                        <a:latin typeface="Calibri"/>
-                      </a:endParaRPr>
-                    </a:p>
-                  </a:txBody>
-                  <a:tcPr marL="9525" marR="9525" marT="9525" marB="0" anchor="b"/>
-                </a:tc>
-                <a:tc>
-                  <a:txBody>
-                    <a:bodyPr/>
-                    <a:lstStyle/>
-                    <a:p>
-                      <a:pPr algn="l" fontAlgn="b"/>
-                      <a:r>
-                        <a:rPr lang="sk-SK" sz="1600" b="1" u="none" strike="noStrike" dirty="0">
-                          <a:effectLst/>
-                        </a:rPr>
-                        <a:t>Listie</a:t>
-                      </a:r>
-                      <a:endParaRPr lang="sk-SK" sz="1600" b="1" i="0" u="none" strike="noStrike" dirty="0">
-                        <a:solidFill>
-                          <a:srgbClr val="000000"/>
-                        </a:solidFill>
-                        <a:effectLst/>
-                        <a:latin typeface="Calibri"/>
-                      </a:endParaRPr>
-                    </a:p>
-                  </a:txBody>
-                  <a:tcPr marL="9525" marR="9525" marT="9525" marB="0" anchor="b"/>
-                </a:tc>
-                <a:tc>
-                  <a:txBody>
-                    <a:bodyPr/>
-                    <a:lstStyle/>
-                    <a:p>
-                      <a:pPr algn="l" fontAlgn="b"/>
-                      <a:r>
-                        <a:rPr lang="sk-SK" sz="1600" b="1" u="none" strike="noStrike">
-                          <a:effectLst/>
-                        </a:rPr>
-                        <a:t>Luky</a:t>
-                      </a:r>
-                      <a:endParaRPr lang="sk-SK" sz="1600" b="1" i="0" u="none" strike="noStrike">
-                        <a:solidFill>
-                          <a:srgbClr val="000000"/>
-                        </a:solidFill>
-                        <a:effectLst/>
-                        <a:latin typeface="Calibri"/>
-                      </a:endParaRPr>
-                    </a:p>
-                  </a:txBody>
-                  <a:tcPr marL="9525" marR="9525" marT="9525" marB="0" anchor="b"/>
-                </a:tc>
-                <a:tc>
-                  <a:txBody>
-                    <a:bodyPr/>
-                    <a:lstStyle/>
-                    <a:p>
-                      <a:pPr algn="l" fontAlgn="b"/>
-                      <a:r>
-                        <a:rPr lang="sk-SK" sz="1600" b="1" u="none" strike="noStrike">
-                          <a:effectLst/>
-                        </a:rPr>
-                        <a:t>Cesty</a:t>
-                      </a:r>
-                      <a:endParaRPr lang="sk-SK" sz="1600" b="1" i="0" u="none" strike="noStrike">
-                        <a:solidFill>
-                          <a:srgbClr val="000000"/>
-                        </a:solidFill>
-                        <a:effectLst/>
-                        <a:latin typeface="Calibri"/>
-                      </a:endParaRPr>
-                    </a:p>
-                  </a:txBody>
-                  <a:tcPr marL="9525" marR="9525" marT="9525" marB="0" anchor="b"/>
-                </a:tc>
-                <a:tc>
-                  <a:txBody>
-                    <a:bodyPr/>
-                    <a:lstStyle/>
-                    <a:p>
-                      <a:pPr algn="l" fontAlgn="b"/>
-                      <a:r>
-                        <a:rPr lang="sk-SK" sz="1600" b="1" u="none" strike="noStrike">
-                          <a:effectLst/>
-                        </a:rPr>
-                        <a:t>Mesta</a:t>
-                      </a:r>
-                      <a:endParaRPr lang="sk-SK" sz="1600" b="1" i="0" u="none" strike="noStrike">
-                        <a:solidFill>
-                          <a:srgbClr val="000000"/>
-                        </a:solidFill>
-                        <a:effectLst/>
-                        <a:latin typeface="Calibri"/>
-                      </a:endParaRPr>
-                    </a:p>
-                  </a:txBody>
-                  <a:tcPr marL="9525" marR="9525" marT="9525" marB="0" anchor="b"/>
-                </a:tc>
-                <a:tc>
-                  <a:txBody>
-                    <a:bodyPr/>
-                    <a:lstStyle/>
-                    <a:p>
-                      <a:pPr algn="l" fontAlgn="b"/>
-                      <a:r>
-                        <a:rPr lang="sk-SK" sz="1600" b="1" u="none" strike="noStrike" dirty="0">
-                          <a:effectLst/>
-                        </a:rPr>
-                        <a:t>Lesy</a:t>
-                      </a:r>
-                      <a:endParaRPr lang="sk-SK" sz="1600" b="1" i="0" u="none" strike="noStrike" dirty="0">
-                        <a:solidFill>
-                          <a:srgbClr val="000000"/>
-                        </a:solidFill>
-                        <a:effectLst/>
-                        <a:latin typeface="Calibri"/>
-                      </a:endParaRPr>
-                    </a:p>
-                  </a:txBody>
-                  <a:tcPr marL="9525" marR="9525" marT="9525" marB="0" anchor="b"/>
-                </a:tc>
-              </a:tr>
-              <a:tr h="298319">
-                <a:tc>
-                  <a:txBody>
-                    <a:bodyPr/>
-                    <a:lstStyle/>
-                    <a:p>
-                      <a:pPr algn="l" fontAlgn="b"/>
-                      <a:r>
-                        <a:rPr lang="sk-SK" sz="1600" b="1" u="none" strike="noStrike" dirty="0">
-                          <a:effectLst/>
-                        </a:rPr>
-                        <a:t>Trava</a:t>
-                      </a:r>
-                      <a:endParaRPr lang="sk-SK" sz="1600" b="1" i="0" u="none" strike="noStrike" dirty="0">
-                        <a:solidFill>
-                          <a:srgbClr val="000000"/>
-                        </a:solidFill>
-                        <a:effectLst/>
-                        <a:latin typeface="Calibri"/>
-                      </a:endParaRPr>
-                    </a:p>
-                  </a:txBody>
-                  <a:tcPr marL="9525" marR="9525" marT="9525" marB="0" anchor="b"/>
-                </a:tc>
-                <a:tc>
-                  <a:txBody>
-                    <a:bodyPr/>
-                    <a:lstStyle/>
-                    <a:p>
-                      <a:pPr algn="r" fontAlgn="b"/>
-                      <a:r>
-                        <a:rPr lang="sk-SK" sz="1600" u="none" strike="noStrike">
-                          <a:effectLst/>
-                        </a:rPr>
-                        <a:t>334</a:t>
-                      </a:r>
-                      <a:endParaRPr lang="sk-SK" sz="1600" b="0" i="0" u="none" strike="noStrike">
-                        <a:solidFill>
-                          <a:srgbClr val="000000"/>
-                        </a:solidFill>
-                        <a:effectLst/>
-                        <a:latin typeface="Calibri"/>
-                      </a:endParaRPr>
-                    </a:p>
-                  </a:txBody>
-                  <a:tcPr marL="9525" marR="9525" marT="9525" marB="0" anchor="b"/>
-                </a:tc>
-                <a:tc>
-                  <a:txBody>
-                    <a:bodyPr/>
-                    <a:lstStyle/>
-                    <a:p>
-                      <a:pPr algn="r" fontAlgn="b"/>
-                      <a:r>
-                        <a:rPr lang="sk-SK" sz="1600" u="none" strike="noStrike" dirty="0">
-                          <a:effectLst/>
-                        </a:rPr>
-                        <a:t>0</a:t>
-                      </a:r>
-                      <a:endParaRPr lang="sk-SK" sz="1600" b="0" i="0" u="none" strike="noStrike" dirty="0">
-                        <a:solidFill>
-                          <a:srgbClr val="000000"/>
-                        </a:solidFill>
-                        <a:effectLst/>
-                        <a:latin typeface="Calibri"/>
-                      </a:endParaRPr>
-                    </a:p>
-                  </a:txBody>
-                  <a:tcPr marL="9525" marR="9525" marT="9525" marB="0" anchor="b"/>
-                </a:tc>
-                <a:tc>
-                  <a:txBody>
-                    <a:bodyPr/>
-                    <a:lstStyle/>
-                    <a:p>
-                      <a:pPr algn="r" fontAlgn="b"/>
-                      <a:r>
-                        <a:rPr lang="sk-SK" sz="1600" u="none" strike="noStrike" dirty="0">
-                          <a:effectLst/>
-                        </a:rPr>
-                        <a:t>39</a:t>
-                      </a:r>
-                      <a:endParaRPr lang="sk-SK" sz="1600" b="0" i="0" u="none" strike="noStrike" dirty="0">
-                        <a:solidFill>
-                          <a:srgbClr val="000000"/>
-                        </a:solidFill>
-                        <a:effectLst/>
-                        <a:latin typeface="Calibri"/>
-                      </a:endParaRPr>
-                    </a:p>
-                  </a:txBody>
-                  <a:tcPr marL="9525" marR="9525" marT="9525" marB="0" anchor="b"/>
-                </a:tc>
-                <a:tc>
-                  <a:txBody>
-                    <a:bodyPr/>
-                    <a:lstStyle/>
-                    <a:p>
-                      <a:pPr algn="r" fontAlgn="b"/>
-                      <a:r>
-                        <a:rPr lang="sk-SK" sz="1600" u="none" strike="noStrike" dirty="0">
-                          <a:effectLst/>
-                        </a:rPr>
-                        <a:t>31</a:t>
-                      </a:r>
-                      <a:endParaRPr lang="sk-SK" sz="1600" b="0" i="0" u="none" strike="noStrike" dirty="0">
-                        <a:solidFill>
-                          <a:srgbClr val="000000"/>
-                        </a:solidFill>
-                        <a:effectLst/>
-                        <a:latin typeface="Calibri"/>
-                      </a:endParaRPr>
-                    </a:p>
-                  </a:txBody>
-                  <a:tcPr marL="9525" marR="9525" marT="9525" marB="0" anchor="b"/>
-                </a:tc>
-                <a:tc>
-                  <a:txBody>
-                    <a:bodyPr/>
-                    <a:lstStyle/>
-                    <a:p>
-                      <a:pPr algn="r" fontAlgn="b"/>
-                      <a:r>
-                        <a:rPr lang="sk-SK" sz="1600" u="none" strike="noStrike" dirty="0">
-                          <a:effectLst/>
-                        </a:rPr>
-                        <a:t>69</a:t>
-                      </a:r>
-                      <a:endParaRPr lang="sk-SK" sz="1600" b="0" i="0" u="none" strike="noStrike" dirty="0">
-                        <a:solidFill>
-                          <a:srgbClr val="000000"/>
-                        </a:solidFill>
-                        <a:effectLst/>
-                        <a:latin typeface="Calibri"/>
-                      </a:endParaRPr>
-                    </a:p>
-                  </a:txBody>
-                  <a:tcPr marL="9525" marR="9525" marT="9525" marB="0" anchor="b"/>
-                </a:tc>
-                <a:tc>
-                  <a:txBody>
-                    <a:bodyPr/>
-                    <a:lstStyle/>
-                    <a:p>
-                      <a:pPr algn="r" fontAlgn="b"/>
-                      <a:r>
-                        <a:rPr lang="sk-SK" sz="1600" u="none" strike="noStrike" dirty="0">
-                          <a:effectLst/>
-                        </a:rPr>
-                        <a:t>31</a:t>
-                      </a:r>
-                      <a:endParaRPr lang="sk-SK" sz="1600" b="0" i="0" u="none" strike="noStrike" dirty="0">
-                        <a:solidFill>
-                          <a:srgbClr val="000000"/>
-                        </a:solidFill>
-                        <a:effectLst/>
-                        <a:latin typeface="Calibri"/>
-                      </a:endParaRPr>
-                    </a:p>
-                  </a:txBody>
-                  <a:tcPr marL="9525" marR="9525" marT="9525" marB="0" anchor="b"/>
-                </a:tc>
-              </a:tr>
-              <a:tr h="298319">
-                <a:tc>
-                  <a:txBody>
-                    <a:bodyPr/>
-                    <a:lstStyle/>
-                    <a:p>
-                      <a:pPr algn="l" fontAlgn="b"/>
-                      <a:r>
-                        <a:rPr lang="sk-SK" sz="1600" b="1" u="none" strike="noStrike" dirty="0">
-                          <a:effectLst/>
-                        </a:rPr>
-                        <a:t>Listie</a:t>
-                      </a:r>
-                      <a:endParaRPr lang="sk-SK" sz="1600" b="1" i="0" u="none" strike="noStrike" dirty="0">
-                        <a:solidFill>
-                          <a:srgbClr val="000000"/>
-                        </a:solidFill>
-                        <a:effectLst/>
-                        <a:latin typeface="Calibri"/>
-                      </a:endParaRPr>
-                    </a:p>
-                  </a:txBody>
-                  <a:tcPr marL="9525" marR="9525" marT="9525" marB="0" anchor="b"/>
-                </a:tc>
-                <a:tc>
-                  <a:txBody>
-                    <a:bodyPr/>
-                    <a:lstStyle/>
-                    <a:p>
-                      <a:pPr algn="r" fontAlgn="b"/>
-                      <a:r>
-                        <a:rPr lang="sk-SK" sz="1600" u="none" strike="noStrike">
-                          <a:effectLst/>
-                        </a:rPr>
-                        <a:t>0</a:t>
-                      </a:r>
-                      <a:endParaRPr lang="sk-SK" sz="1600" b="0" i="0" u="none" strike="noStrike">
-                        <a:solidFill>
-                          <a:srgbClr val="000000"/>
-                        </a:solidFill>
-                        <a:effectLst/>
-                        <a:latin typeface="Calibri"/>
-                      </a:endParaRPr>
-                    </a:p>
-                  </a:txBody>
-                  <a:tcPr marL="9525" marR="9525" marT="9525" marB="0" anchor="b"/>
-                </a:tc>
-                <a:tc>
-                  <a:txBody>
-                    <a:bodyPr/>
-                    <a:lstStyle/>
-                    <a:p>
-                      <a:pPr algn="r" fontAlgn="b"/>
-                      <a:r>
-                        <a:rPr lang="sk-SK" sz="1600" u="none" strike="noStrike">
-                          <a:effectLst/>
-                        </a:rPr>
-                        <a:t>18</a:t>
-                      </a:r>
-                      <a:endParaRPr lang="sk-SK" sz="1600" b="0" i="0" u="none" strike="noStrike">
-                        <a:solidFill>
-                          <a:srgbClr val="000000"/>
-                        </a:solidFill>
-                        <a:effectLst/>
-                        <a:latin typeface="Calibri"/>
-                      </a:endParaRPr>
-                    </a:p>
-                  </a:txBody>
-                  <a:tcPr marL="9525" marR="9525" marT="9525" marB="0" anchor="b"/>
-                </a:tc>
-                <a:tc>
-                  <a:txBody>
-                    <a:bodyPr/>
-                    <a:lstStyle/>
-                    <a:p>
-                      <a:pPr algn="r" fontAlgn="b"/>
-                      <a:r>
-                        <a:rPr lang="sk-SK" sz="1600" u="none" strike="noStrike">
-                          <a:effectLst/>
-                        </a:rPr>
-                        <a:t>0</a:t>
-                      </a:r>
-                      <a:endParaRPr lang="sk-SK" sz="1600" b="0" i="0" u="none" strike="noStrike">
-                        <a:solidFill>
-                          <a:srgbClr val="000000"/>
-                        </a:solidFill>
-                        <a:effectLst/>
-                        <a:latin typeface="Calibri"/>
-                      </a:endParaRPr>
-                    </a:p>
-                  </a:txBody>
-                  <a:tcPr marL="9525" marR="9525" marT="9525" marB="0" anchor="b"/>
-                </a:tc>
-                <a:tc>
-                  <a:txBody>
-                    <a:bodyPr/>
-                    <a:lstStyle/>
-                    <a:p>
-                      <a:pPr algn="r" fontAlgn="b"/>
-                      <a:r>
-                        <a:rPr lang="sk-SK" sz="1600" u="none" strike="noStrike" dirty="0">
-                          <a:effectLst/>
-                        </a:rPr>
-                        <a:t>0</a:t>
-                      </a:r>
-                      <a:endParaRPr lang="sk-SK" sz="1600" b="0" i="0" u="none" strike="noStrike" dirty="0">
-                        <a:solidFill>
-                          <a:srgbClr val="000000"/>
-                        </a:solidFill>
-                        <a:effectLst/>
-                        <a:latin typeface="Calibri"/>
-                      </a:endParaRPr>
-                    </a:p>
-                  </a:txBody>
-                  <a:tcPr marL="9525" marR="9525" marT="9525" marB="0" anchor="b"/>
-                </a:tc>
-                <a:tc>
-                  <a:txBody>
-                    <a:bodyPr/>
-                    <a:lstStyle/>
-                    <a:p>
-                      <a:pPr algn="r" fontAlgn="b"/>
-                      <a:r>
-                        <a:rPr lang="sk-SK" sz="1600" u="none" strike="noStrike" dirty="0">
-                          <a:effectLst/>
-                        </a:rPr>
-                        <a:t>3</a:t>
-                      </a:r>
-                      <a:endParaRPr lang="sk-SK" sz="1600" b="0" i="0" u="none" strike="noStrike" dirty="0">
-                        <a:solidFill>
-                          <a:srgbClr val="000000"/>
-                        </a:solidFill>
-                        <a:effectLst/>
-                        <a:latin typeface="Calibri"/>
-                      </a:endParaRPr>
-                    </a:p>
-                  </a:txBody>
-                  <a:tcPr marL="9525" marR="9525" marT="9525" marB="0" anchor="b"/>
-                </a:tc>
-                <a:tc>
-                  <a:txBody>
-                    <a:bodyPr/>
-                    <a:lstStyle/>
-                    <a:p>
-                      <a:pPr algn="r" fontAlgn="b"/>
-                      <a:r>
-                        <a:rPr lang="sk-SK" sz="1600" u="none" strike="noStrike" dirty="0">
-                          <a:effectLst/>
-                        </a:rPr>
-                        <a:t>0</a:t>
-                      </a:r>
-                      <a:endParaRPr lang="sk-SK" sz="1600" b="0" i="0" u="none" strike="noStrike" dirty="0">
-                        <a:solidFill>
-                          <a:srgbClr val="000000"/>
-                        </a:solidFill>
-                        <a:effectLst/>
-                        <a:latin typeface="Calibri"/>
-                      </a:endParaRPr>
-                    </a:p>
-                  </a:txBody>
-                  <a:tcPr marL="9525" marR="9525" marT="9525" marB="0" anchor="b"/>
-                </a:tc>
-              </a:tr>
-              <a:tr h="298319">
-                <a:tc>
-                  <a:txBody>
-                    <a:bodyPr/>
-                    <a:lstStyle/>
-                    <a:p>
-                      <a:pPr algn="l" fontAlgn="b"/>
-                      <a:r>
-                        <a:rPr lang="sk-SK" sz="1600" b="1" u="none" strike="noStrike" dirty="0">
-                          <a:effectLst/>
-                        </a:rPr>
-                        <a:t>Luky</a:t>
-                      </a:r>
-                      <a:endParaRPr lang="sk-SK" sz="1600" b="1" i="0" u="none" strike="noStrike" dirty="0">
-                        <a:solidFill>
-                          <a:srgbClr val="000000"/>
-                        </a:solidFill>
-                        <a:effectLst/>
-                        <a:latin typeface="Calibri"/>
-                      </a:endParaRPr>
-                    </a:p>
-                  </a:txBody>
-                  <a:tcPr marL="9525" marR="9525" marT="9525" marB="0" anchor="b"/>
-                </a:tc>
-                <a:tc>
-                  <a:txBody>
-                    <a:bodyPr/>
-                    <a:lstStyle/>
-                    <a:p>
-                      <a:pPr algn="r" fontAlgn="b"/>
-                      <a:r>
-                        <a:rPr lang="sk-SK" sz="1600" u="none" strike="noStrike">
-                          <a:effectLst/>
-                        </a:rPr>
-                        <a:t>12</a:t>
-                      </a:r>
-                      <a:endParaRPr lang="sk-SK" sz="1600" b="0" i="0" u="none" strike="noStrike">
-                        <a:solidFill>
-                          <a:srgbClr val="000000"/>
-                        </a:solidFill>
-                        <a:effectLst/>
-                        <a:latin typeface="Calibri"/>
-                      </a:endParaRPr>
-                    </a:p>
-                  </a:txBody>
-                  <a:tcPr marL="9525" marR="9525" marT="9525" marB="0" anchor="b"/>
-                </a:tc>
-                <a:tc>
-                  <a:txBody>
-                    <a:bodyPr/>
-                    <a:lstStyle/>
-                    <a:p>
-                      <a:pPr algn="r" fontAlgn="b"/>
-                      <a:r>
-                        <a:rPr lang="sk-SK" sz="1600" u="none" strike="noStrike">
-                          <a:effectLst/>
-                        </a:rPr>
-                        <a:t>0</a:t>
-                      </a:r>
-                      <a:endParaRPr lang="sk-SK" sz="1600" b="0" i="0" u="none" strike="noStrike">
-                        <a:solidFill>
-                          <a:srgbClr val="000000"/>
-                        </a:solidFill>
-                        <a:effectLst/>
-                        <a:latin typeface="Calibri"/>
-                      </a:endParaRPr>
-                    </a:p>
-                  </a:txBody>
-                  <a:tcPr marL="9525" marR="9525" marT="9525" marB="0" anchor="b"/>
-                </a:tc>
-                <a:tc>
-                  <a:txBody>
-                    <a:bodyPr/>
-                    <a:lstStyle/>
-                    <a:p>
-                      <a:pPr algn="r" fontAlgn="b"/>
-                      <a:r>
-                        <a:rPr lang="sk-SK" sz="1600" u="none" strike="noStrike">
-                          <a:effectLst/>
-                        </a:rPr>
-                        <a:t>19</a:t>
-                      </a:r>
-                      <a:endParaRPr lang="sk-SK" sz="1600" b="0" i="0" u="none" strike="noStrike">
-                        <a:solidFill>
-                          <a:srgbClr val="000000"/>
-                        </a:solidFill>
-                        <a:effectLst/>
-                        <a:latin typeface="Calibri"/>
-                      </a:endParaRPr>
-                    </a:p>
-                  </a:txBody>
-                  <a:tcPr marL="9525" marR="9525" marT="9525" marB="0" anchor="b"/>
-                </a:tc>
-                <a:tc>
-                  <a:txBody>
-                    <a:bodyPr/>
-                    <a:lstStyle/>
-                    <a:p>
-                      <a:pPr algn="r" fontAlgn="b"/>
-                      <a:r>
-                        <a:rPr lang="sk-SK" sz="1600" u="none" strike="noStrike">
-                          <a:effectLst/>
-                        </a:rPr>
-                        <a:t>0</a:t>
-                      </a:r>
-                      <a:endParaRPr lang="sk-SK" sz="1600" b="0" i="0" u="none" strike="noStrike">
-                        <a:solidFill>
-                          <a:srgbClr val="000000"/>
-                        </a:solidFill>
-                        <a:effectLst/>
-                        <a:latin typeface="Calibri"/>
-                      </a:endParaRPr>
-                    </a:p>
-                  </a:txBody>
-                  <a:tcPr marL="9525" marR="9525" marT="9525" marB="0" anchor="b"/>
-                </a:tc>
-                <a:tc>
-                  <a:txBody>
-                    <a:bodyPr/>
-                    <a:lstStyle/>
-                    <a:p>
-                      <a:pPr algn="r" fontAlgn="b"/>
-                      <a:r>
-                        <a:rPr lang="sk-SK" sz="1600" u="none" strike="noStrike" dirty="0">
-                          <a:effectLst/>
-                        </a:rPr>
-                        <a:t>0</a:t>
-                      </a:r>
-                      <a:endParaRPr lang="sk-SK" sz="1600" b="0" i="0" u="none" strike="noStrike" dirty="0">
-                        <a:solidFill>
-                          <a:srgbClr val="000000"/>
-                        </a:solidFill>
-                        <a:effectLst/>
-                        <a:latin typeface="Calibri"/>
-                      </a:endParaRPr>
-                    </a:p>
-                  </a:txBody>
-                  <a:tcPr marL="9525" marR="9525" marT="9525" marB="0" anchor="b"/>
-                </a:tc>
-                <a:tc>
-                  <a:txBody>
-                    <a:bodyPr/>
-                    <a:lstStyle/>
-                    <a:p>
-                      <a:pPr algn="r" fontAlgn="b"/>
-                      <a:r>
-                        <a:rPr lang="sk-SK" sz="1600" u="none" strike="noStrike">
-                          <a:effectLst/>
-                        </a:rPr>
-                        <a:t>0</a:t>
-                      </a:r>
-                      <a:endParaRPr lang="sk-SK" sz="1600" b="0" i="0" u="none" strike="noStrike">
-                        <a:solidFill>
-                          <a:srgbClr val="000000"/>
-                        </a:solidFill>
-                        <a:effectLst/>
-                        <a:latin typeface="Calibri"/>
-                      </a:endParaRPr>
-                    </a:p>
-                  </a:txBody>
-                  <a:tcPr marL="9525" marR="9525" marT="9525" marB="0" anchor="b"/>
-                </a:tc>
-              </a:tr>
-              <a:tr h="298319">
-                <a:tc>
-                  <a:txBody>
-                    <a:bodyPr/>
-                    <a:lstStyle/>
-                    <a:p>
-                      <a:pPr algn="l" fontAlgn="b"/>
-                      <a:r>
-                        <a:rPr lang="sk-SK" sz="1600" b="1" u="none" strike="noStrike" dirty="0">
-                          <a:effectLst/>
-                        </a:rPr>
-                        <a:t>Cesty</a:t>
-                      </a:r>
-                      <a:endParaRPr lang="sk-SK" sz="1600" b="1" i="0" u="none" strike="noStrike" dirty="0">
-                        <a:solidFill>
-                          <a:srgbClr val="000000"/>
-                        </a:solidFill>
-                        <a:effectLst/>
-                        <a:latin typeface="Calibri"/>
-                      </a:endParaRPr>
-                    </a:p>
-                  </a:txBody>
-                  <a:tcPr marL="9525" marR="9525" marT="9525" marB="0" anchor="b"/>
-                </a:tc>
-                <a:tc>
-                  <a:txBody>
-                    <a:bodyPr/>
-                    <a:lstStyle/>
-                    <a:p>
-                      <a:pPr algn="r" fontAlgn="b"/>
-                      <a:r>
-                        <a:rPr lang="sk-SK" sz="1600" u="none" strike="noStrike">
-                          <a:effectLst/>
-                        </a:rPr>
-                        <a:t>24</a:t>
-                      </a:r>
-                      <a:endParaRPr lang="sk-SK" sz="1600" b="0" i="0" u="none" strike="noStrike">
-                        <a:solidFill>
-                          <a:srgbClr val="000000"/>
-                        </a:solidFill>
-                        <a:effectLst/>
-                        <a:latin typeface="Calibri"/>
-                      </a:endParaRPr>
-                    </a:p>
-                  </a:txBody>
-                  <a:tcPr marL="9525" marR="9525" marT="9525" marB="0" anchor="b"/>
-                </a:tc>
-                <a:tc>
-                  <a:txBody>
-                    <a:bodyPr/>
-                    <a:lstStyle/>
-                    <a:p>
-                      <a:pPr algn="r" fontAlgn="b"/>
-                      <a:r>
-                        <a:rPr lang="sk-SK" sz="1600" u="none" strike="noStrike">
-                          <a:effectLst/>
-                        </a:rPr>
-                        <a:t>0</a:t>
-                      </a:r>
-                      <a:endParaRPr lang="sk-SK" sz="1600" b="0" i="0" u="none" strike="noStrike">
-                        <a:solidFill>
-                          <a:srgbClr val="000000"/>
-                        </a:solidFill>
-                        <a:effectLst/>
-                        <a:latin typeface="Calibri"/>
-                      </a:endParaRPr>
-                    </a:p>
-                  </a:txBody>
-                  <a:tcPr marL="9525" marR="9525" marT="9525" marB="0" anchor="b"/>
-                </a:tc>
-                <a:tc>
-                  <a:txBody>
-                    <a:bodyPr/>
-                    <a:lstStyle/>
-                    <a:p>
-                      <a:pPr algn="r" fontAlgn="b"/>
-                      <a:r>
-                        <a:rPr lang="sk-SK" sz="1600" u="none" strike="noStrike">
-                          <a:effectLst/>
-                        </a:rPr>
-                        <a:t>0</a:t>
-                      </a:r>
-                      <a:endParaRPr lang="sk-SK" sz="1600" b="0" i="0" u="none" strike="noStrike">
-                        <a:solidFill>
-                          <a:srgbClr val="000000"/>
-                        </a:solidFill>
-                        <a:effectLst/>
-                        <a:latin typeface="Calibri"/>
-                      </a:endParaRPr>
-                    </a:p>
-                  </a:txBody>
-                  <a:tcPr marL="9525" marR="9525" marT="9525" marB="0" anchor="b"/>
-                </a:tc>
-                <a:tc>
-                  <a:txBody>
-                    <a:bodyPr/>
-                    <a:lstStyle/>
-                    <a:p>
-                      <a:pPr algn="r" fontAlgn="b"/>
-                      <a:r>
-                        <a:rPr lang="sk-SK" sz="1600" u="none" strike="noStrike">
-                          <a:effectLst/>
-                        </a:rPr>
-                        <a:t>22</a:t>
-                      </a:r>
-                      <a:endParaRPr lang="sk-SK" sz="1600" b="0" i="0" u="none" strike="noStrike">
-                        <a:solidFill>
-                          <a:srgbClr val="000000"/>
-                        </a:solidFill>
-                        <a:effectLst/>
-                        <a:latin typeface="Calibri"/>
-                      </a:endParaRPr>
-                    </a:p>
-                  </a:txBody>
-                  <a:tcPr marL="9525" marR="9525" marT="9525" marB="0" anchor="b"/>
-                </a:tc>
-                <a:tc>
-                  <a:txBody>
-                    <a:bodyPr/>
-                    <a:lstStyle/>
-                    <a:p>
-                      <a:pPr algn="r" fontAlgn="b"/>
-                      <a:r>
-                        <a:rPr lang="sk-SK" sz="1600" u="none" strike="noStrike">
-                          <a:effectLst/>
-                        </a:rPr>
-                        <a:t>0</a:t>
-                      </a:r>
-                      <a:endParaRPr lang="sk-SK" sz="1600" b="0" i="0" u="none" strike="noStrike">
-                        <a:solidFill>
-                          <a:srgbClr val="000000"/>
-                        </a:solidFill>
-                        <a:effectLst/>
-                        <a:latin typeface="Calibri"/>
-                      </a:endParaRPr>
-                    </a:p>
-                  </a:txBody>
-                  <a:tcPr marL="9525" marR="9525" marT="9525" marB="0" anchor="b"/>
-                </a:tc>
-                <a:tc>
-                  <a:txBody>
-                    <a:bodyPr/>
-                    <a:lstStyle/>
-                    <a:p>
-                      <a:pPr algn="r" fontAlgn="b"/>
-                      <a:r>
-                        <a:rPr lang="sk-SK" sz="1600" u="none" strike="noStrike">
-                          <a:effectLst/>
-                        </a:rPr>
-                        <a:t>6</a:t>
-                      </a:r>
-                      <a:endParaRPr lang="sk-SK" sz="1600" b="0" i="0" u="none" strike="noStrike">
-                        <a:solidFill>
-                          <a:srgbClr val="000000"/>
-                        </a:solidFill>
-                        <a:effectLst/>
-                        <a:latin typeface="Calibri"/>
-                      </a:endParaRPr>
-                    </a:p>
-                  </a:txBody>
-                  <a:tcPr marL="9525" marR="9525" marT="9525" marB="0" anchor="b"/>
-                </a:tc>
-              </a:tr>
-              <a:tr h="298319">
-                <a:tc>
-                  <a:txBody>
-                    <a:bodyPr/>
-                    <a:lstStyle/>
-                    <a:p>
-                      <a:pPr algn="l" fontAlgn="b"/>
-                      <a:r>
-                        <a:rPr lang="sk-SK" sz="1600" b="1" u="none" strike="noStrike" dirty="0">
-                          <a:effectLst/>
-                        </a:rPr>
-                        <a:t>Mesta</a:t>
-                      </a:r>
-                      <a:endParaRPr lang="sk-SK" sz="1600" b="1" i="0" u="none" strike="noStrike" dirty="0">
-                        <a:solidFill>
-                          <a:srgbClr val="000000"/>
-                        </a:solidFill>
-                        <a:effectLst/>
-                        <a:latin typeface="Calibri"/>
-                      </a:endParaRPr>
-                    </a:p>
-                  </a:txBody>
-                  <a:tcPr marL="9525" marR="9525" marT="9525" marB="0" anchor="b"/>
-                </a:tc>
-                <a:tc>
-                  <a:txBody>
-                    <a:bodyPr/>
-                    <a:lstStyle/>
-                    <a:p>
-                      <a:pPr algn="r" fontAlgn="b"/>
-                      <a:r>
-                        <a:rPr lang="sk-SK" sz="1600" u="none" strike="noStrike">
-                          <a:effectLst/>
-                        </a:rPr>
-                        <a:t>0</a:t>
-                      </a:r>
-                      <a:endParaRPr lang="sk-SK" sz="1600" b="0" i="0" u="none" strike="noStrike">
-                        <a:solidFill>
-                          <a:srgbClr val="000000"/>
-                        </a:solidFill>
-                        <a:effectLst/>
-                        <a:latin typeface="Calibri"/>
-                      </a:endParaRPr>
-                    </a:p>
-                  </a:txBody>
-                  <a:tcPr marL="9525" marR="9525" marT="9525" marB="0" anchor="b"/>
-                </a:tc>
-                <a:tc>
-                  <a:txBody>
-                    <a:bodyPr/>
-                    <a:lstStyle/>
-                    <a:p>
-                      <a:pPr algn="r" fontAlgn="b"/>
-                      <a:r>
-                        <a:rPr lang="sk-SK" sz="1600" u="none" strike="noStrike">
-                          <a:effectLst/>
-                        </a:rPr>
-                        <a:t>0</a:t>
-                      </a:r>
-                      <a:endParaRPr lang="sk-SK" sz="1600" b="0" i="0" u="none" strike="noStrike">
-                        <a:solidFill>
-                          <a:srgbClr val="000000"/>
-                        </a:solidFill>
-                        <a:effectLst/>
-                        <a:latin typeface="Calibri"/>
-                      </a:endParaRPr>
-                    </a:p>
-                  </a:txBody>
-                  <a:tcPr marL="9525" marR="9525" marT="9525" marB="0" anchor="b"/>
-                </a:tc>
-                <a:tc>
-                  <a:txBody>
-                    <a:bodyPr/>
-                    <a:lstStyle/>
-                    <a:p>
-                      <a:pPr algn="r" fontAlgn="b"/>
-                      <a:r>
-                        <a:rPr lang="sk-SK" sz="1600" u="none" strike="noStrike">
-                          <a:effectLst/>
-                        </a:rPr>
-                        <a:t>0</a:t>
-                      </a:r>
-                      <a:endParaRPr lang="sk-SK" sz="1600" b="0" i="0" u="none" strike="noStrike">
-                        <a:solidFill>
-                          <a:srgbClr val="000000"/>
-                        </a:solidFill>
-                        <a:effectLst/>
-                        <a:latin typeface="Calibri"/>
-                      </a:endParaRPr>
-                    </a:p>
-                  </a:txBody>
-                  <a:tcPr marL="9525" marR="9525" marT="9525" marB="0" anchor="b"/>
-                </a:tc>
-                <a:tc>
-                  <a:txBody>
-                    <a:bodyPr/>
-                    <a:lstStyle/>
-                    <a:p>
-                      <a:pPr algn="r" fontAlgn="b"/>
-                      <a:r>
-                        <a:rPr lang="sk-SK" sz="1600" u="none" strike="noStrike">
-                          <a:effectLst/>
-                        </a:rPr>
-                        <a:t>0</a:t>
-                      </a:r>
-                      <a:endParaRPr lang="sk-SK" sz="1600" b="0" i="0" u="none" strike="noStrike">
-                        <a:solidFill>
-                          <a:srgbClr val="000000"/>
-                        </a:solidFill>
-                        <a:effectLst/>
-                        <a:latin typeface="Calibri"/>
-                      </a:endParaRPr>
-                    </a:p>
-                  </a:txBody>
-                  <a:tcPr marL="9525" marR="9525" marT="9525" marB="0" anchor="b"/>
-                </a:tc>
-                <a:tc>
-                  <a:txBody>
-                    <a:bodyPr/>
-                    <a:lstStyle/>
-                    <a:p>
-                      <a:pPr algn="r" fontAlgn="b"/>
-                      <a:r>
-                        <a:rPr lang="sk-SK" sz="1600" u="none" strike="noStrike">
-                          <a:effectLst/>
-                        </a:rPr>
-                        <a:t>0</a:t>
-                      </a:r>
-                      <a:endParaRPr lang="sk-SK" sz="1600" b="0" i="0" u="none" strike="noStrike">
-                        <a:solidFill>
-                          <a:srgbClr val="000000"/>
-                        </a:solidFill>
-                        <a:effectLst/>
-                        <a:latin typeface="Calibri"/>
-                      </a:endParaRPr>
-                    </a:p>
-                  </a:txBody>
-                  <a:tcPr marL="9525" marR="9525" marT="9525" marB="0" anchor="b"/>
-                </a:tc>
-                <a:tc>
-                  <a:txBody>
-                    <a:bodyPr/>
-                    <a:lstStyle/>
-                    <a:p>
-                      <a:pPr algn="r" fontAlgn="b"/>
-                      <a:r>
-                        <a:rPr lang="sk-SK" sz="1600" u="none" strike="noStrike">
-                          <a:effectLst/>
-                        </a:rPr>
-                        <a:t>0</a:t>
-                      </a:r>
-                      <a:endParaRPr lang="sk-SK" sz="1600" b="0" i="0" u="none" strike="noStrike">
-                        <a:solidFill>
-                          <a:srgbClr val="000000"/>
-                        </a:solidFill>
-                        <a:effectLst/>
-                        <a:latin typeface="Calibri"/>
-                      </a:endParaRPr>
-                    </a:p>
-                  </a:txBody>
-                  <a:tcPr marL="9525" marR="9525" marT="9525" marB="0" anchor="b"/>
-                </a:tc>
-              </a:tr>
-              <a:tr h="298319">
-                <a:tc>
-                  <a:txBody>
-                    <a:bodyPr/>
-                    <a:lstStyle/>
-                    <a:p>
-                      <a:pPr algn="l" fontAlgn="b"/>
-                      <a:r>
-                        <a:rPr lang="sk-SK" sz="1600" b="1" u="none" strike="noStrike" dirty="0">
-                          <a:effectLst/>
-                        </a:rPr>
-                        <a:t>Lesy</a:t>
-                      </a:r>
-                      <a:endParaRPr lang="sk-SK" sz="1600" b="1" i="0" u="none" strike="noStrike" dirty="0">
-                        <a:solidFill>
-                          <a:srgbClr val="000000"/>
-                        </a:solidFill>
-                        <a:effectLst/>
-                        <a:latin typeface="Calibri"/>
-                      </a:endParaRPr>
-                    </a:p>
-                  </a:txBody>
-                  <a:tcPr marL="9525" marR="9525" marT="9525" marB="0" anchor="b"/>
-                </a:tc>
-                <a:tc>
-                  <a:txBody>
-                    <a:bodyPr/>
-                    <a:lstStyle/>
-                    <a:p>
-                      <a:pPr algn="r" fontAlgn="b"/>
-                      <a:r>
-                        <a:rPr lang="sk-SK" sz="1600" u="none" strike="noStrike">
-                          <a:effectLst/>
-                        </a:rPr>
-                        <a:t>54</a:t>
-                      </a:r>
-                      <a:endParaRPr lang="sk-SK" sz="1600" b="0" i="0" u="none" strike="noStrike">
-                        <a:solidFill>
-                          <a:srgbClr val="000000"/>
-                        </a:solidFill>
-                        <a:effectLst/>
-                        <a:latin typeface="Calibri"/>
-                      </a:endParaRPr>
-                    </a:p>
-                  </a:txBody>
-                  <a:tcPr marL="9525" marR="9525" marT="9525" marB="0" anchor="b"/>
-                </a:tc>
-                <a:tc>
-                  <a:txBody>
-                    <a:bodyPr/>
-                    <a:lstStyle/>
-                    <a:p>
-                      <a:pPr algn="r" fontAlgn="b"/>
-                      <a:r>
-                        <a:rPr lang="sk-SK" sz="1600" u="none" strike="noStrike">
-                          <a:effectLst/>
-                        </a:rPr>
-                        <a:t>0</a:t>
-                      </a:r>
-                      <a:endParaRPr lang="sk-SK" sz="1600" b="0" i="0" u="none" strike="noStrike">
-                        <a:solidFill>
-                          <a:srgbClr val="000000"/>
-                        </a:solidFill>
-                        <a:effectLst/>
-                        <a:latin typeface="Calibri"/>
-                      </a:endParaRPr>
-                    </a:p>
-                  </a:txBody>
-                  <a:tcPr marL="9525" marR="9525" marT="9525" marB="0" anchor="b"/>
-                </a:tc>
-                <a:tc>
-                  <a:txBody>
-                    <a:bodyPr/>
-                    <a:lstStyle/>
-                    <a:p>
-                      <a:pPr algn="r" fontAlgn="b"/>
-                      <a:r>
-                        <a:rPr lang="sk-SK" sz="1600" u="none" strike="noStrike">
-                          <a:effectLst/>
-                        </a:rPr>
-                        <a:t>0</a:t>
-                      </a:r>
-                      <a:endParaRPr lang="sk-SK" sz="1600" b="0" i="0" u="none" strike="noStrike">
-                        <a:solidFill>
-                          <a:srgbClr val="000000"/>
-                        </a:solidFill>
-                        <a:effectLst/>
-                        <a:latin typeface="Calibri"/>
-                      </a:endParaRPr>
-                    </a:p>
-                  </a:txBody>
-                  <a:tcPr marL="9525" marR="9525" marT="9525" marB="0" anchor="b"/>
-                </a:tc>
-                <a:tc>
-                  <a:txBody>
-                    <a:bodyPr/>
-                    <a:lstStyle/>
-                    <a:p>
-                      <a:pPr algn="r" fontAlgn="b"/>
-                      <a:r>
-                        <a:rPr lang="sk-SK" sz="1600" u="none" strike="noStrike">
-                          <a:effectLst/>
-                        </a:rPr>
-                        <a:t>61</a:t>
-                      </a:r>
-                      <a:endParaRPr lang="sk-SK" sz="1600" b="0" i="0" u="none" strike="noStrike">
-                        <a:solidFill>
-                          <a:srgbClr val="000000"/>
-                        </a:solidFill>
-                        <a:effectLst/>
-                        <a:latin typeface="Calibri"/>
-                      </a:endParaRPr>
-                    </a:p>
-                  </a:txBody>
-                  <a:tcPr marL="9525" marR="9525" marT="9525" marB="0" anchor="b"/>
-                </a:tc>
-                <a:tc>
-                  <a:txBody>
-                    <a:bodyPr/>
-                    <a:lstStyle/>
-                    <a:p>
-                      <a:pPr algn="r" fontAlgn="b"/>
-                      <a:r>
-                        <a:rPr lang="sk-SK" sz="1600" u="none" strike="noStrike">
-                          <a:effectLst/>
-                        </a:rPr>
-                        <a:t>1</a:t>
-                      </a:r>
-                      <a:endParaRPr lang="sk-SK" sz="1600" b="0" i="0" u="none" strike="noStrike">
-                        <a:solidFill>
-                          <a:srgbClr val="000000"/>
-                        </a:solidFill>
-                        <a:effectLst/>
-                        <a:latin typeface="Calibri"/>
-                      </a:endParaRPr>
-                    </a:p>
-                  </a:txBody>
-                  <a:tcPr marL="9525" marR="9525" marT="9525" marB="0" anchor="b"/>
-                </a:tc>
-                <a:tc>
-                  <a:txBody>
-                    <a:bodyPr/>
-                    <a:lstStyle/>
-                    <a:p>
-                      <a:pPr algn="r" fontAlgn="b"/>
-                      <a:r>
-                        <a:rPr lang="sk-SK" sz="1600" u="none" strike="noStrike" dirty="0">
-                          <a:effectLst/>
-                        </a:rPr>
-                        <a:t>463</a:t>
-                      </a:r>
-                      <a:endParaRPr lang="sk-SK" sz="1600" b="0" i="0" u="none" strike="noStrike" dirty="0">
-                        <a:solidFill>
-                          <a:srgbClr val="000000"/>
-                        </a:solidFill>
-                        <a:effectLst/>
-                        <a:latin typeface="Calibri"/>
-                      </a:endParaRPr>
-                    </a:p>
-                  </a:txBody>
-                  <a:tcPr marL="9525" marR="9525" marT="9525" marB="0" anchor="b"/>
-                </a:tc>
-              </a:tr>
-            </a:tbl>
-          </a:graphicData>
-        </a:graphic>
-      </p:graphicFrame>
-    </p:spTree>
-    <p:extLst>
-      <p:ext uri="{BB962C8B-B14F-4D97-AF65-F5344CB8AC3E}">
-        <p14:creationId xmlns:p14="http://schemas.microsoft.com/office/powerpoint/2010/main" val="2215093662"/>
       </p:ext>
     </p:extLst>
   </p:cSld>
